--- a/Revolutionary AI-powered Analytics for Uncovering Optimal Business Locations.pptx
+++ b/Revolutionary AI-powered Analytics for Uncovering Optimal Business Locations.pptx
@@ -2,47 +2,49 @@
 <file path=ppt/presentation.xml><?xml version="1.0" encoding="utf-8"?>
 <p:presentation xmlns:a="http://schemas.openxmlformats.org/drawingml/2006/main" xmlns:r="http://schemas.openxmlformats.org/officeDocument/2006/relationships" xmlns:p="http://schemas.openxmlformats.org/presentationml/2006/main" strictFirstAndLastChars="0" embedTrueTypeFonts="1" saveSubsetFonts="1" autoCompressPictures="0">
   <p:sldMasterIdLst>
-    <p:sldMasterId id="2147483659" r:id="rId1"/>
+    <p:sldMasterId id="2147483648" r:id="rId1"/>
   </p:sldMasterIdLst>
   <p:notesMasterIdLst>
-    <p:notesMasterId r:id="rId15"/>
+    <p:notesMasterId r:id="rId4"/>
   </p:notesMasterIdLst>
   <p:sldIdLst>
-    <p:sldId id="256" r:id="rId2"/>
-    <p:sldId id="257" r:id="rId3"/>
-    <p:sldId id="258" r:id="rId4"/>
-    <p:sldId id="259" r:id="rId5"/>
-    <p:sldId id="260" r:id="rId6"/>
-    <p:sldId id="261" r:id="rId7"/>
-    <p:sldId id="262" r:id="rId8"/>
-    <p:sldId id="263" r:id="rId9"/>
-    <p:sldId id="264" r:id="rId10"/>
-    <p:sldId id="265" r:id="rId11"/>
-    <p:sldId id="266" r:id="rId12"/>
-    <p:sldId id="267" r:id="rId13"/>
-    <p:sldId id="268" r:id="rId14"/>
+    <p:sldId id="256" r:id="rId3"/>
+    <p:sldId id="257" r:id="rId5"/>
+    <p:sldId id="258" r:id="rId6"/>
+    <p:sldId id="259" r:id="rId7"/>
+    <p:sldId id="261" r:id="rId8"/>
+    <p:sldId id="260" r:id="rId9"/>
+    <p:sldId id="262" r:id="rId10"/>
+    <p:sldId id="270" r:id="rId11"/>
+    <p:sldId id="271" r:id="rId12"/>
+    <p:sldId id="272" r:id="rId13"/>
+    <p:sldId id="263" r:id="rId14"/>
+    <p:sldId id="264" r:id="rId15"/>
+    <p:sldId id="265" r:id="rId16"/>
+    <p:sldId id="266" r:id="rId17"/>
+    <p:sldId id="267" r:id="rId18"/>
+    <p:sldId id="268" r:id="rId19"/>
   </p:sldIdLst>
   <p:sldSz cx="9144000" cy="5143500" type="screen16x9"/>
   <p:notesSz cx="6858000" cy="9144000"/>
   <p:embeddedFontLst>
     <p:embeddedFont>
-      <p:font typeface="Merriweather" panose="00000500000000000000" pitchFamily="2" charset="0"/>
-      <p:regular r:id="rId16"/>
-      <p:bold r:id="rId17"/>
-      <p:italic r:id="rId18"/>
-      <p:boldItalic r:id="rId19"/>
+      <p:font typeface="Roboto Slab"/>
+      <p:regular r:id="rId23"/>
     </p:embeddedFont>
     <p:embeddedFont>
-      <p:font typeface="Roboto" panose="02000000000000000000" pitchFamily="2" charset="0"/>
-      <p:regular r:id="rId20"/>
-      <p:bold r:id="rId21"/>
-      <p:italic r:id="rId22"/>
-      <p:boldItalic r:id="rId23"/>
+      <p:font typeface="Roboto" panose="02000000000000000000"/>
+      <p:regular r:id="rId24"/>
+      <p:bold r:id="rId25"/>
+      <p:italic r:id="rId26"/>
+      <p:boldItalic r:id="rId27"/>
     </p:embeddedFont>
     <p:embeddedFont>
-      <p:font typeface="Roboto Slab" pitchFamily="2" charset="0"/>
-      <p:regular r:id="rId24"/>
-      <p:bold r:id="rId25"/>
+      <p:font typeface="Merriweather" panose="00000500000000000000"/>
+      <p:regular r:id="rId28"/>
+      <p:bold r:id="rId29"/>
+      <p:italic r:id="rId30"/>
+      <p:boldItalic r:id="rId31"/>
     </p:embeddedFont>
   </p:embeddedFontLst>
   <p:defaultTextStyle>
@@ -70,15 +72,15 @@
       <a:buClr>
         <a:srgbClr val="000000"/>
       </a:buClr>
-      <a:buFont typeface="Arial"/>
+      <a:buFont typeface="Arial" panose="020B0604020202020204"/>
       <a:defRPr sz="1400" b="0" i="0" u="none" strike="noStrike" cap="none">
         <a:solidFill>
           <a:srgbClr val="000000"/>
         </a:solidFill>
-        <a:latin typeface="Arial"/>
-        <a:ea typeface="Arial"/>
-        <a:cs typeface="Arial"/>
-        <a:sym typeface="Arial"/>
+        <a:latin typeface="Arial" panose="020B0604020202020204"/>
+        <a:ea typeface="Arial" panose="020B0604020202020204"/>
+        <a:cs typeface="Arial" panose="020B0604020202020204"/>
+        <a:sym typeface="Arial" panose="020B0604020202020204"/>
       </a:defRPr>
     </a:lvl1pPr>
     <a:lvl2pPr marR="0" lvl="1" algn="l" rtl="0">
@@ -94,15 +96,15 @@
       <a:buClr>
         <a:srgbClr val="000000"/>
       </a:buClr>
-      <a:buFont typeface="Arial"/>
+      <a:buFont typeface="Arial" panose="020B0604020202020204"/>
       <a:defRPr sz="1400" b="0" i="0" u="none" strike="noStrike" cap="none">
         <a:solidFill>
           <a:srgbClr val="000000"/>
         </a:solidFill>
-        <a:latin typeface="Arial"/>
-        <a:ea typeface="Arial"/>
-        <a:cs typeface="Arial"/>
-        <a:sym typeface="Arial"/>
+        <a:latin typeface="Arial" panose="020B0604020202020204"/>
+        <a:ea typeface="Arial" panose="020B0604020202020204"/>
+        <a:cs typeface="Arial" panose="020B0604020202020204"/>
+        <a:sym typeface="Arial" panose="020B0604020202020204"/>
       </a:defRPr>
     </a:lvl2pPr>
     <a:lvl3pPr marR="0" lvl="2" algn="l" rtl="0">
@@ -118,15 +120,15 @@
       <a:buClr>
         <a:srgbClr val="000000"/>
       </a:buClr>
-      <a:buFont typeface="Arial"/>
+      <a:buFont typeface="Arial" panose="020B0604020202020204"/>
       <a:defRPr sz="1400" b="0" i="0" u="none" strike="noStrike" cap="none">
         <a:solidFill>
           <a:srgbClr val="000000"/>
         </a:solidFill>
-        <a:latin typeface="Arial"/>
-        <a:ea typeface="Arial"/>
-        <a:cs typeface="Arial"/>
-        <a:sym typeface="Arial"/>
+        <a:latin typeface="Arial" panose="020B0604020202020204"/>
+        <a:ea typeface="Arial" panose="020B0604020202020204"/>
+        <a:cs typeface="Arial" panose="020B0604020202020204"/>
+        <a:sym typeface="Arial" panose="020B0604020202020204"/>
       </a:defRPr>
     </a:lvl3pPr>
     <a:lvl4pPr marR="0" lvl="3" algn="l" rtl="0">
@@ -142,15 +144,15 @@
       <a:buClr>
         <a:srgbClr val="000000"/>
       </a:buClr>
-      <a:buFont typeface="Arial"/>
+      <a:buFont typeface="Arial" panose="020B0604020202020204"/>
       <a:defRPr sz="1400" b="0" i="0" u="none" strike="noStrike" cap="none">
         <a:solidFill>
           <a:srgbClr val="000000"/>
         </a:solidFill>
-        <a:latin typeface="Arial"/>
-        <a:ea typeface="Arial"/>
-        <a:cs typeface="Arial"/>
-        <a:sym typeface="Arial"/>
+        <a:latin typeface="Arial" panose="020B0604020202020204"/>
+        <a:ea typeface="Arial" panose="020B0604020202020204"/>
+        <a:cs typeface="Arial" panose="020B0604020202020204"/>
+        <a:sym typeface="Arial" panose="020B0604020202020204"/>
       </a:defRPr>
     </a:lvl4pPr>
     <a:lvl5pPr marR="0" lvl="4" algn="l" rtl="0">
@@ -166,15 +168,15 @@
       <a:buClr>
         <a:srgbClr val="000000"/>
       </a:buClr>
-      <a:buFont typeface="Arial"/>
+      <a:buFont typeface="Arial" panose="020B0604020202020204"/>
       <a:defRPr sz="1400" b="0" i="0" u="none" strike="noStrike" cap="none">
         <a:solidFill>
           <a:srgbClr val="000000"/>
         </a:solidFill>
-        <a:latin typeface="Arial"/>
-        <a:ea typeface="Arial"/>
-        <a:cs typeface="Arial"/>
-        <a:sym typeface="Arial"/>
+        <a:latin typeface="Arial" panose="020B0604020202020204"/>
+        <a:ea typeface="Arial" panose="020B0604020202020204"/>
+        <a:cs typeface="Arial" panose="020B0604020202020204"/>
+        <a:sym typeface="Arial" panose="020B0604020202020204"/>
       </a:defRPr>
     </a:lvl5pPr>
     <a:lvl6pPr marR="0" lvl="5" algn="l" rtl="0">
@@ -190,15 +192,15 @@
       <a:buClr>
         <a:srgbClr val="000000"/>
       </a:buClr>
-      <a:buFont typeface="Arial"/>
+      <a:buFont typeface="Arial" panose="020B0604020202020204"/>
       <a:defRPr sz="1400" b="0" i="0" u="none" strike="noStrike" cap="none">
         <a:solidFill>
           <a:srgbClr val="000000"/>
         </a:solidFill>
-        <a:latin typeface="Arial"/>
-        <a:ea typeface="Arial"/>
-        <a:cs typeface="Arial"/>
-        <a:sym typeface="Arial"/>
+        <a:latin typeface="Arial" panose="020B0604020202020204"/>
+        <a:ea typeface="Arial" panose="020B0604020202020204"/>
+        <a:cs typeface="Arial" panose="020B0604020202020204"/>
+        <a:sym typeface="Arial" panose="020B0604020202020204"/>
       </a:defRPr>
     </a:lvl6pPr>
     <a:lvl7pPr marR="0" lvl="6" algn="l" rtl="0">
@@ -214,15 +216,15 @@
       <a:buClr>
         <a:srgbClr val="000000"/>
       </a:buClr>
-      <a:buFont typeface="Arial"/>
+      <a:buFont typeface="Arial" panose="020B0604020202020204"/>
       <a:defRPr sz="1400" b="0" i="0" u="none" strike="noStrike" cap="none">
         <a:solidFill>
           <a:srgbClr val="000000"/>
         </a:solidFill>
-        <a:latin typeface="Arial"/>
-        <a:ea typeface="Arial"/>
-        <a:cs typeface="Arial"/>
-        <a:sym typeface="Arial"/>
+        <a:latin typeface="Arial" panose="020B0604020202020204"/>
+        <a:ea typeface="Arial" panose="020B0604020202020204"/>
+        <a:cs typeface="Arial" panose="020B0604020202020204"/>
+        <a:sym typeface="Arial" panose="020B0604020202020204"/>
       </a:defRPr>
     </a:lvl7pPr>
     <a:lvl8pPr marR="0" lvl="7" algn="l" rtl="0">
@@ -238,15 +240,15 @@
       <a:buClr>
         <a:srgbClr val="000000"/>
       </a:buClr>
-      <a:buFont typeface="Arial"/>
+      <a:buFont typeface="Arial" panose="020B0604020202020204"/>
       <a:defRPr sz="1400" b="0" i="0" u="none" strike="noStrike" cap="none">
         <a:solidFill>
           <a:srgbClr val="000000"/>
         </a:solidFill>
-        <a:latin typeface="Arial"/>
-        <a:ea typeface="Arial"/>
-        <a:cs typeface="Arial"/>
-        <a:sym typeface="Arial"/>
+        <a:latin typeface="Arial" panose="020B0604020202020204"/>
+        <a:ea typeface="Arial" panose="020B0604020202020204"/>
+        <a:cs typeface="Arial" panose="020B0604020202020204"/>
+        <a:sym typeface="Arial" panose="020B0604020202020204"/>
       </a:defRPr>
     </a:lvl8pPr>
     <a:lvl9pPr marR="0" lvl="8" algn="l" rtl="0">
@@ -262,27 +264,27 @@
       <a:buClr>
         <a:srgbClr val="000000"/>
       </a:buClr>
-      <a:buFont typeface="Arial"/>
+      <a:buFont typeface="Arial" panose="020B0604020202020204"/>
       <a:defRPr sz="1400" b="0" i="0" u="none" strike="noStrike" cap="none">
         <a:solidFill>
           <a:srgbClr val="000000"/>
         </a:solidFill>
-        <a:latin typeface="Arial"/>
-        <a:ea typeface="Arial"/>
-        <a:cs typeface="Arial"/>
-        <a:sym typeface="Arial"/>
+        <a:latin typeface="Arial" panose="020B0604020202020204"/>
+        <a:ea typeface="Arial" panose="020B0604020202020204"/>
+        <a:cs typeface="Arial" panose="020B0604020202020204"/>
+        <a:sym typeface="Arial" panose="020B0604020202020204"/>
       </a:defRPr>
     </a:lvl9pPr>
   </p:defaultTextStyle>
   <p:extLst>
     <p:ext uri="{EFAFB233-063F-42B5-8137-9DF3F51BA10A}">
       <p15:sldGuideLst xmlns:p15="http://schemas.microsoft.com/office/powerpoint/2012/main">
-        <p15:guide id="1" orient="horz" pos="1620">
+        <p15:guide id="1" orient="horz" pos="1620" userDrawn="1">
           <p15:clr>
             <a:srgbClr val="747775"/>
           </p15:clr>
         </p15:guide>
-        <p15:guide id="2" pos="2880">
+        <p15:guide id="2" pos="2880" userDrawn="1">
           <p15:clr>
             <a:srgbClr val="747775"/>
           </p15:clr>
@@ -291,50 +293,6 @@
     </p:ext>
   </p:extLst>
 </p:presentation>
-</file>
-
-<file path=ppt/changesInfos/changesInfo1.xml><?xml version="1.0" encoding="utf-8"?>
-<pc:chgInfo xmlns:a="http://schemas.openxmlformats.org/drawingml/2006/main" xmlns:r="http://schemas.openxmlformats.org/officeDocument/2006/relationships" xmlns:ac="http://schemas.microsoft.com/office/drawing/2013/main/command" xmlns:pc="http://schemas.microsoft.com/office/powerpoint/2013/main/command">
-  <pc:docChgLst>
-    <pc:chgData name="Dinesh Kyanam" userId="b5f60a670e620240" providerId="LiveId" clId="{739CE35F-22E7-4742-8C12-1B148D978F80}"/>
-    <pc:docChg chg="modSld">
-      <pc:chgData name="Dinesh Kyanam" userId="b5f60a670e620240" providerId="LiveId" clId="{739CE35F-22E7-4742-8C12-1B148D978F80}" dt="2024-04-15T04:43:31.532" v="104"/>
-      <pc:docMkLst>
-        <pc:docMk/>
-      </pc:docMkLst>
-      <pc:sldChg chg="modSp mod">
-        <pc:chgData name="Dinesh Kyanam" userId="b5f60a670e620240" providerId="LiveId" clId="{739CE35F-22E7-4742-8C12-1B148D978F80}" dt="2024-04-15T04:42:46.704" v="73" actId="20577"/>
-        <pc:sldMkLst>
-          <pc:docMk/>
-          <pc:sldMk cId="0" sldId="257"/>
-        </pc:sldMkLst>
-        <pc:spChg chg="mod">
-          <ac:chgData name="Dinesh Kyanam" userId="b5f60a670e620240" providerId="LiveId" clId="{739CE35F-22E7-4742-8C12-1B148D978F80}" dt="2024-04-15T04:42:46.704" v="73" actId="20577"/>
-          <ac:spMkLst>
-            <pc:docMk/>
-            <pc:sldMk cId="0" sldId="257"/>
-            <ac:spMk id="70" creationId="{00000000-0000-0000-0000-000000000000}"/>
-          </ac:spMkLst>
-        </pc:spChg>
-      </pc:sldChg>
-      <pc:sldChg chg="modSp mod">
-        <pc:chgData name="Dinesh Kyanam" userId="b5f60a670e620240" providerId="LiveId" clId="{739CE35F-22E7-4742-8C12-1B148D978F80}" dt="2024-04-15T04:43:31.532" v="104"/>
-        <pc:sldMkLst>
-          <pc:docMk/>
-          <pc:sldMk cId="0" sldId="258"/>
-        </pc:sldMkLst>
-        <pc:spChg chg="mod">
-          <ac:chgData name="Dinesh Kyanam" userId="b5f60a670e620240" providerId="LiveId" clId="{739CE35F-22E7-4742-8C12-1B148D978F80}" dt="2024-04-15T04:43:31.532" v="104"/>
-          <ac:spMkLst>
-            <pc:docMk/>
-            <pc:sldMk cId="0" sldId="258"/>
-            <ac:spMk id="76" creationId="{00000000-0000-0000-0000-000000000000}"/>
-          </ac:spMkLst>
-        </pc:spChg>
-      </pc:sldChg>
-    </pc:docChg>
-  </pc:docChgLst>
-</pc:chgInfo>
 </file>
 
 <file path=ppt/notesMasters/notesMaster1.xml><?xml version="1.0" encoding="utf-8"?>
@@ -538,9 +496,7 @@
               <a:defRPr sz="1100"/>
             </a:lvl9pPr>
           </a:lstStyle>
-          <a:p>
-            <a:endParaRPr/>
-          </a:p>
+          <a:p/>
         </p:txBody>
       </p:sp>
     </p:spTree>
@@ -571,15 +527,15 @@
       <a:buClr>
         <a:srgbClr val="000000"/>
       </a:buClr>
-      <a:buFont typeface="Arial"/>
+      <a:buFont typeface="Arial" panose="020B0604020202020204"/>
       <a:defRPr sz="1400" b="0" i="0" u="none" strike="noStrike" cap="none">
         <a:solidFill>
           <a:srgbClr val="000000"/>
         </a:solidFill>
-        <a:latin typeface="Arial"/>
-        <a:ea typeface="Arial"/>
-        <a:cs typeface="Arial"/>
-        <a:sym typeface="Arial"/>
+        <a:latin typeface="Arial" panose="020B0604020202020204"/>
+        <a:ea typeface="Arial" panose="020B0604020202020204"/>
+        <a:cs typeface="Arial" panose="020B0604020202020204"/>
+        <a:sym typeface="Arial" panose="020B0604020202020204"/>
       </a:defRPr>
     </a:lvl1pPr>
     <a:lvl2pPr marR="0" lvl="1" algn="l" rtl="0">
@@ -595,15 +551,15 @@
       <a:buClr>
         <a:srgbClr val="000000"/>
       </a:buClr>
-      <a:buFont typeface="Arial"/>
+      <a:buFont typeface="Arial" panose="020B0604020202020204"/>
       <a:defRPr sz="1400" b="0" i="0" u="none" strike="noStrike" cap="none">
         <a:solidFill>
           <a:srgbClr val="000000"/>
         </a:solidFill>
-        <a:latin typeface="Arial"/>
-        <a:ea typeface="Arial"/>
-        <a:cs typeface="Arial"/>
-        <a:sym typeface="Arial"/>
+        <a:latin typeface="Arial" panose="020B0604020202020204"/>
+        <a:ea typeface="Arial" panose="020B0604020202020204"/>
+        <a:cs typeface="Arial" panose="020B0604020202020204"/>
+        <a:sym typeface="Arial" panose="020B0604020202020204"/>
       </a:defRPr>
     </a:lvl2pPr>
     <a:lvl3pPr marR="0" lvl="2" algn="l" rtl="0">
@@ -619,15 +575,15 @@
       <a:buClr>
         <a:srgbClr val="000000"/>
       </a:buClr>
-      <a:buFont typeface="Arial"/>
+      <a:buFont typeface="Arial" panose="020B0604020202020204"/>
       <a:defRPr sz="1400" b="0" i="0" u="none" strike="noStrike" cap="none">
         <a:solidFill>
           <a:srgbClr val="000000"/>
         </a:solidFill>
-        <a:latin typeface="Arial"/>
-        <a:ea typeface="Arial"/>
-        <a:cs typeface="Arial"/>
-        <a:sym typeface="Arial"/>
+        <a:latin typeface="Arial" panose="020B0604020202020204"/>
+        <a:ea typeface="Arial" panose="020B0604020202020204"/>
+        <a:cs typeface="Arial" panose="020B0604020202020204"/>
+        <a:sym typeface="Arial" panose="020B0604020202020204"/>
       </a:defRPr>
     </a:lvl3pPr>
     <a:lvl4pPr marR="0" lvl="3" algn="l" rtl="0">
@@ -643,15 +599,15 @@
       <a:buClr>
         <a:srgbClr val="000000"/>
       </a:buClr>
-      <a:buFont typeface="Arial"/>
+      <a:buFont typeface="Arial" panose="020B0604020202020204"/>
       <a:defRPr sz="1400" b="0" i="0" u="none" strike="noStrike" cap="none">
         <a:solidFill>
           <a:srgbClr val="000000"/>
         </a:solidFill>
-        <a:latin typeface="Arial"/>
-        <a:ea typeface="Arial"/>
-        <a:cs typeface="Arial"/>
-        <a:sym typeface="Arial"/>
+        <a:latin typeface="Arial" panose="020B0604020202020204"/>
+        <a:ea typeface="Arial" panose="020B0604020202020204"/>
+        <a:cs typeface="Arial" panose="020B0604020202020204"/>
+        <a:sym typeface="Arial" panose="020B0604020202020204"/>
       </a:defRPr>
     </a:lvl4pPr>
     <a:lvl5pPr marR="0" lvl="4" algn="l" rtl="0">
@@ -667,15 +623,15 @@
       <a:buClr>
         <a:srgbClr val="000000"/>
       </a:buClr>
-      <a:buFont typeface="Arial"/>
+      <a:buFont typeface="Arial" panose="020B0604020202020204"/>
       <a:defRPr sz="1400" b="0" i="0" u="none" strike="noStrike" cap="none">
         <a:solidFill>
           <a:srgbClr val="000000"/>
         </a:solidFill>
-        <a:latin typeface="Arial"/>
-        <a:ea typeface="Arial"/>
-        <a:cs typeface="Arial"/>
-        <a:sym typeface="Arial"/>
+        <a:latin typeface="Arial" panose="020B0604020202020204"/>
+        <a:ea typeface="Arial" panose="020B0604020202020204"/>
+        <a:cs typeface="Arial" panose="020B0604020202020204"/>
+        <a:sym typeface="Arial" panose="020B0604020202020204"/>
       </a:defRPr>
     </a:lvl5pPr>
     <a:lvl6pPr marR="0" lvl="5" algn="l" rtl="0">
@@ -691,15 +647,15 @@
       <a:buClr>
         <a:srgbClr val="000000"/>
       </a:buClr>
-      <a:buFont typeface="Arial"/>
+      <a:buFont typeface="Arial" panose="020B0604020202020204"/>
       <a:defRPr sz="1400" b="0" i="0" u="none" strike="noStrike" cap="none">
         <a:solidFill>
           <a:srgbClr val="000000"/>
         </a:solidFill>
-        <a:latin typeface="Arial"/>
-        <a:ea typeface="Arial"/>
-        <a:cs typeface="Arial"/>
-        <a:sym typeface="Arial"/>
+        <a:latin typeface="Arial" panose="020B0604020202020204"/>
+        <a:ea typeface="Arial" panose="020B0604020202020204"/>
+        <a:cs typeface="Arial" panose="020B0604020202020204"/>
+        <a:sym typeface="Arial" panose="020B0604020202020204"/>
       </a:defRPr>
     </a:lvl6pPr>
     <a:lvl7pPr marR="0" lvl="6" algn="l" rtl="0">
@@ -715,15 +671,15 @@
       <a:buClr>
         <a:srgbClr val="000000"/>
       </a:buClr>
-      <a:buFont typeface="Arial"/>
+      <a:buFont typeface="Arial" panose="020B0604020202020204"/>
       <a:defRPr sz="1400" b="0" i="0" u="none" strike="noStrike" cap="none">
         <a:solidFill>
           <a:srgbClr val="000000"/>
         </a:solidFill>
-        <a:latin typeface="Arial"/>
-        <a:ea typeface="Arial"/>
-        <a:cs typeface="Arial"/>
-        <a:sym typeface="Arial"/>
+        <a:latin typeface="Arial" panose="020B0604020202020204"/>
+        <a:ea typeface="Arial" panose="020B0604020202020204"/>
+        <a:cs typeface="Arial" panose="020B0604020202020204"/>
+        <a:sym typeface="Arial" panose="020B0604020202020204"/>
       </a:defRPr>
     </a:lvl7pPr>
     <a:lvl8pPr marR="0" lvl="7" algn="l" rtl="0">
@@ -739,15 +695,15 @@
       <a:buClr>
         <a:srgbClr val="000000"/>
       </a:buClr>
-      <a:buFont typeface="Arial"/>
+      <a:buFont typeface="Arial" panose="020B0604020202020204"/>
       <a:defRPr sz="1400" b="0" i="0" u="none" strike="noStrike" cap="none">
         <a:solidFill>
           <a:srgbClr val="000000"/>
         </a:solidFill>
-        <a:latin typeface="Arial"/>
-        <a:ea typeface="Arial"/>
-        <a:cs typeface="Arial"/>
-        <a:sym typeface="Arial"/>
+        <a:latin typeface="Arial" panose="020B0604020202020204"/>
+        <a:ea typeface="Arial" panose="020B0604020202020204"/>
+        <a:cs typeface="Arial" panose="020B0604020202020204"/>
+        <a:sym typeface="Arial" panose="020B0604020202020204"/>
       </a:defRPr>
     </a:lvl8pPr>
     <a:lvl9pPr marR="0" lvl="8" algn="l" rtl="0">
@@ -763,15 +719,15 @@
       <a:buClr>
         <a:srgbClr val="000000"/>
       </a:buClr>
-      <a:buFont typeface="Arial"/>
+      <a:buFont typeface="Arial" panose="020B0604020202020204"/>
       <a:defRPr sz="1400" b="0" i="0" u="none" strike="noStrike" cap="none">
         <a:solidFill>
           <a:srgbClr val="000000"/>
         </a:solidFill>
-        <a:latin typeface="Arial"/>
-        <a:ea typeface="Arial"/>
-        <a:cs typeface="Arial"/>
-        <a:sym typeface="Arial"/>
+        <a:latin typeface="Arial" panose="020B0604020202020204"/>
+        <a:ea typeface="Arial" panose="020B0604020202020204"/>
+        <a:cs typeface="Arial" panose="020B0604020202020204"/>
+        <a:sym typeface="Arial" panose="020B0604020202020204"/>
       </a:defRPr>
     </a:lvl9pPr>
   </p:notesStyle>
@@ -779,7 +735,7 @@
 </file>
 
 <file path=ppt/notesSlides/notesSlide1.xml><?xml version="1.0" encoding="utf-8"?>
-<p:notes xmlns:a="http://schemas.openxmlformats.org/drawingml/2006/main" xmlns:r="http://schemas.openxmlformats.org/officeDocument/2006/relationships" xmlns:p="http://schemas.openxmlformats.org/presentationml/2006/main" showMasterSp="0" showMasterPhAnim="0">
+<p:notes xmlns:a="http://schemas.openxmlformats.org/drawingml/2006/main" xmlns:r="http://schemas.openxmlformats.org/officeDocument/2006/relationships" xmlns:p="http://schemas.openxmlformats.org/presentationml/2006/main" showMasterPhAnim="0" showMasterSp="0">
   <p:cSld>
     <p:spTree>
       <p:nvGrpSpPr>
@@ -870,7 +826,6 @@
               </a:spcAft>
               <a:buNone/>
             </a:pPr>
-            <a:endParaRPr/>
           </a:p>
         </p:txBody>
       </p:sp>
@@ -883,7 +838,7 @@
 </file>
 
 <file path=ppt/notesSlides/notesSlide10.xml><?xml version="1.0" encoding="utf-8"?>
-<p:notes xmlns:a="http://schemas.openxmlformats.org/drawingml/2006/main" xmlns:r="http://schemas.openxmlformats.org/officeDocument/2006/relationships" xmlns:p="http://schemas.openxmlformats.org/presentationml/2006/main" showMasterSp="0" showMasterPhAnim="0">
+<p:notes xmlns:a="http://schemas.openxmlformats.org/drawingml/2006/main" xmlns:r="http://schemas.openxmlformats.org/officeDocument/2006/relationships" xmlns:p="http://schemas.openxmlformats.org/presentationml/2006/main" showMasterPhAnim="0" showMasterSp="0">
   <p:cSld>
     <p:spTree>
       <p:nvGrpSpPr>
@@ -974,7 +929,6 @@
               </a:spcAft>
               <a:buNone/>
             </a:pPr>
-            <a:endParaRPr/>
           </a:p>
         </p:txBody>
       </p:sp>
@@ -987,7 +941,7 @@
 </file>
 
 <file path=ppt/notesSlides/notesSlide11.xml><?xml version="1.0" encoding="utf-8"?>
-<p:notes xmlns:a="http://schemas.openxmlformats.org/drawingml/2006/main" xmlns:r="http://schemas.openxmlformats.org/officeDocument/2006/relationships" xmlns:p="http://schemas.openxmlformats.org/presentationml/2006/main" showMasterSp="0" showMasterPhAnim="0">
+<p:notes xmlns:a="http://schemas.openxmlformats.org/drawingml/2006/main" xmlns:r="http://schemas.openxmlformats.org/officeDocument/2006/relationships" xmlns:p="http://schemas.openxmlformats.org/presentationml/2006/main" showMasterPhAnim="0" showMasterSp="0">
   <p:cSld>
     <p:spTree>
       <p:nvGrpSpPr>
@@ -1078,7 +1032,6 @@
               </a:spcAft>
               <a:buNone/>
             </a:pPr>
-            <a:endParaRPr/>
           </a:p>
         </p:txBody>
       </p:sp>
@@ -1091,7 +1044,7 @@
 </file>
 
 <file path=ppt/notesSlides/notesSlide12.xml><?xml version="1.0" encoding="utf-8"?>
-<p:notes xmlns:a="http://schemas.openxmlformats.org/drawingml/2006/main" xmlns:r="http://schemas.openxmlformats.org/officeDocument/2006/relationships" xmlns:p="http://schemas.openxmlformats.org/presentationml/2006/main" showMasterSp="0" showMasterPhAnim="0">
+<p:notes xmlns:a="http://schemas.openxmlformats.org/drawingml/2006/main" xmlns:r="http://schemas.openxmlformats.org/officeDocument/2006/relationships" xmlns:p="http://schemas.openxmlformats.org/presentationml/2006/main" showMasterPhAnim="0" showMasterSp="0">
   <p:cSld>
     <p:spTree>
       <p:nvGrpSpPr>
@@ -1182,7 +1135,6 @@
               </a:spcAft>
               <a:buNone/>
             </a:pPr>
-            <a:endParaRPr/>
           </a:p>
         </p:txBody>
       </p:sp>
@@ -1195,7 +1147,7 @@
 </file>
 
 <file path=ppt/notesSlides/notesSlide13.xml><?xml version="1.0" encoding="utf-8"?>
-<p:notes xmlns:a="http://schemas.openxmlformats.org/drawingml/2006/main" xmlns:r="http://schemas.openxmlformats.org/officeDocument/2006/relationships" xmlns:p="http://schemas.openxmlformats.org/presentationml/2006/main" showMasterSp="0" showMasterPhAnim="0">
+<p:notes xmlns:a="http://schemas.openxmlformats.org/drawingml/2006/main" xmlns:r="http://schemas.openxmlformats.org/officeDocument/2006/relationships" xmlns:p="http://schemas.openxmlformats.org/presentationml/2006/main" showMasterPhAnim="0" showMasterSp="0">
   <p:cSld>
     <p:spTree>
       <p:nvGrpSpPr>
@@ -1286,7 +1238,6 @@
               </a:spcAft>
               <a:buNone/>
             </a:pPr>
-            <a:endParaRPr/>
           </a:p>
         </p:txBody>
       </p:sp>
@@ -1299,7 +1250,7 @@
 </file>
 
 <file path=ppt/notesSlides/notesSlide2.xml><?xml version="1.0" encoding="utf-8"?>
-<p:notes xmlns:a="http://schemas.openxmlformats.org/drawingml/2006/main" xmlns:r="http://schemas.openxmlformats.org/officeDocument/2006/relationships" xmlns:p="http://schemas.openxmlformats.org/presentationml/2006/main" showMasterSp="0" showMasterPhAnim="0">
+<p:notes xmlns:a="http://schemas.openxmlformats.org/drawingml/2006/main" xmlns:r="http://schemas.openxmlformats.org/officeDocument/2006/relationships" xmlns:p="http://schemas.openxmlformats.org/presentationml/2006/main" showMasterPhAnim="0" showMasterSp="0">
   <p:cSld>
     <p:spTree>
       <p:nvGrpSpPr>
@@ -1390,7 +1341,6 @@
               </a:spcAft>
               <a:buNone/>
             </a:pPr>
-            <a:endParaRPr/>
           </a:p>
         </p:txBody>
       </p:sp>
@@ -1403,7 +1353,7 @@
 </file>
 
 <file path=ppt/notesSlides/notesSlide3.xml><?xml version="1.0" encoding="utf-8"?>
-<p:notes xmlns:a="http://schemas.openxmlformats.org/drawingml/2006/main" xmlns:r="http://schemas.openxmlformats.org/officeDocument/2006/relationships" xmlns:p="http://schemas.openxmlformats.org/presentationml/2006/main" showMasterSp="0" showMasterPhAnim="0">
+<p:notes xmlns:a="http://schemas.openxmlformats.org/drawingml/2006/main" xmlns:r="http://schemas.openxmlformats.org/officeDocument/2006/relationships" xmlns:p="http://schemas.openxmlformats.org/presentationml/2006/main" showMasterPhAnim="0" showMasterSp="0">
   <p:cSld>
     <p:spTree>
       <p:nvGrpSpPr>
@@ -1494,7 +1444,6 @@
               </a:spcAft>
               <a:buNone/>
             </a:pPr>
-            <a:endParaRPr/>
           </a:p>
         </p:txBody>
       </p:sp>
@@ -1507,7 +1456,7 @@
 </file>
 
 <file path=ppt/notesSlides/notesSlide4.xml><?xml version="1.0" encoding="utf-8"?>
-<p:notes xmlns:a="http://schemas.openxmlformats.org/drawingml/2006/main" xmlns:r="http://schemas.openxmlformats.org/officeDocument/2006/relationships" xmlns:p="http://schemas.openxmlformats.org/presentationml/2006/main" showMasterSp="0" showMasterPhAnim="0">
+<p:notes xmlns:a="http://schemas.openxmlformats.org/drawingml/2006/main" xmlns:r="http://schemas.openxmlformats.org/officeDocument/2006/relationships" xmlns:p="http://schemas.openxmlformats.org/presentationml/2006/main" showMasterPhAnim="0" showMasterSp="0">
   <p:cSld>
     <p:spTree>
       <p:nvGrpSpPr>
@@ -1598,7 +1547,6 @@
               </a:spcAft>
               <a:buNone/>
             </a:pPr>
-            <a:endParaRPr/>
           </a:p>
         </p:txBody>
       </p:sp>
@@ -1611,7 +1559,110 @@
 </file>
 
 <file path=ppt/notesSlides/notesSlide5.xml><?xml version="1.0" encoding="utf-8"?>
-<p:notes xmlns:a="http://schemas.openxmlformats.org/drawingml/2006/main" xmlns:r="http://schemas.openxmlformats.org/officeDocument/2006/relationships" xmlns:p="http://schemas.openxmlformats.org/presentationml/2006/main" showMasterSp="0" showMasterPhAnim="0">
+<p:notes xmlns:a="http://schemas.openxmlformats.org/drawingml/2006/main" xmlns:r="http://schemas.openxmlformats.org/officeDocument/2006/relationships" xmlns:p="http://schemas.openxmlformats.org/presentationml/2006/main" showMasterPhAnim="0" showMasterSp="0">
+  <p:cSld>
+    <p:spTree>
+      <p:nvGrpSpPr>
+        <p:cNvPr id="1" name="Shape 89"/>
+        <p:cNvGrpSpPr/>
+        <p:nvPr/>
+      </p:nvGrpSpPr>
+      <p:grpSpPr>
+        <a:xfrm>
+          <a:off x="0" y="0"/>
+          <a:ext cx="0" cy="0"/>
+          <a:chOff x="0" y="0"/>
+          <a:chExt cx="0" cy="0"/>
+        </a:xfrm>
+      </p:grpSpPr>
+      <p:sp>
+        <p:nvSpPr>
+          <p:cNvPr id="90" name="Google Shape;90;g26e70a93f24_0_128:notes"/>
+          <p:cNvSpPr>
+            <a:spLocks noGrp="1" noRot="1" noChangeAspect="1"/>
+          </p:cNvSpPr>
+          <p:nvPr>
+            <p:ph type="sldImg" idx="2"/>
+          </p:nvPr>
+        </p:nvSpPr>
+        <p:spPr>
+          <a:xfrm>
+            <a:off x="381300" y="685800"/>
+            <a:ext cx="6096000" cy="3429000"/>
+          </a:xfrm>
+          <a:custGeom>
+            <a:avLst/>
+            <a:gdLst/>
+            <a:ahLst/>
+            <a:cxnLst/>
+            <a:rect l="l" t="t" r="r" b="b"/>
+            <a:pathLst>
+              <a:path w="120000" h="120000" extrusionOk="0">
+                <a:moveTo>
+                  <a:pt x="0" y="0"/>
+                </a:moveTo>
+                <a:lnTo>
+                  <a:pt x="120000" y="0"/>
+                </a:lnTo>
+                <a:lnTo>
+                  <a:pt x="120000" y="120000"/>
+                </a:lnTo>
+                <a:lnTo>
+                  <a:pt x="0" y="120000"/>
+                </a:lnTo>
+                <a:close/>
+              </a:path>
+            </a:pathLst>
+          </a:custGeom>
+        </p:spPr>
+      </p:sp>
+      <p:sp>
+        <p:nvSpPr>
+          <p:cNvPr id="91" name="Google Shape;91;g26e70a93f24_0_128:notes"/>
+          <p:cNvSpPr txBox="1">
+            <a:spLocks noGrp="1"/>
+          </p:cNvSpPr>
+          <p:nvPr>
+            <p:ph type="body" idx="1"/>
+          </p:nvPr>
+        </p:nvSpPr>
+        <p:spPr>
+          <a:xfrm>
+            <a:off x="685800" y="4343400"/>
+            <a:ext cx="5486400" cy="4114800"/>
+          </a:xfrm>
+          <a:prstGeom prst="rect">
+            <a:avLst/>
+          </a:prstGeom>
+        </p:spPr>
+        <p:txBody>
+          <a:bodyPr spcFirstLastPara="1" wrap="square" lIns="91425" tIns="91425" rIns="91425" bIns="91425" anchor="t" anchorCtr="0">
+            <a:noAutofit/>
+          </a:bodyPr>
+          <a:lstStyle/>
+          <a:p>
+            <a:pPr marL="0" lvl="0" indent="0" algn="l" rtl="0">
+              <a:spcBef>
+                <a:spcPts val="0"/>
+              </a:spcBef>
+              <a:spcAft>
+                <a:spcPts val="0"/>
+              </a:spcAft>
+              <a:buNone/>
+            </a:pPr>
+          </a:p>
+        </p:txBody>
+      </p:sp>
+    </p:spTree>
+  </p:cSld>
+  <p:clrMapOvr>
+    <a:masterClrMapping/>
+  </p:clrMapOvr>
+</p:notes>
+</file>
+
+<file path=ppt/notesSlides/notesSlide6.xml><?xml version="1.0" encoding="utf-8"?>
+<p:notes xmlns:a="http://schemas.openxmlformats.org/drawingml/2006/main" xmlns:r="http://schemas.openxmlformats.org/officeDocument/2006/relationships" xmlns:p="http://schemas.openxmlformats.org/presentationml/2006/main" showMasterPhAnim="0" showMasterSp="0">
   <p:cSld>
     <p:spTree>
       <p:nvGrpSpPr>
@@ -1702,111 +1753,6 @@
               </a:spcAft>
               <a:buNone/>
             </a:pPr>
-            <a:endParaRPr/>
-          </a:p>
-        </p:txBody>
-      </p:sp>
-    </p:spTree>
-  </p:cSld>
-  <p:clrMapOvr>
-    <a:masterClrMapping/>
-  </p:clrMapOvr>
-</p:notes>
-</file>
-
-<file path=ppt/notesSlides/notesSlide6.xml><?xml version="1.0" encoding="utf-8"?>
-<p:notes xmlns:a="http://schemas.openxmlformats.org/drawingml/2006/main" xmlns:r="http://schemas.openxmlformats.org/officeDocument/2006/relationships" xmlns:p="http://schemas.openxmlformats.org/presentationml/2006/main" showMasterSp="0" showMasterPhAnim="0">
-  <p:cSld>
-    <p:spTree>
-      <p:nvGrpSpPr>
-        <p:cNvPr id="1" name="Shape 89"/>
-        <p:cNvGrpSpPr/>
-        <p:nvPr/>
-      </p:nvGrpSpPr>
-      <p:grpSpPr>
-        <a:xfrm>
-          <a:off x="0" y="0"/>
-          <a:ext cx="0" cy="0"/>
-          <a:chOff x="0" y="0"/>
-          <a:chExt cx="0" cy="0"/>
-        </a:xfrm>
-      </p:grpSpPr>
-      <p:sp>
-        <p:nvSpPr>
-          <p:cNvPr id="90" name="Google Shape;90;g26e70a93f24_0_128:notes"/>
-          <p:cNvSpPr>
-            <a:spLocks noGrp="1" noRot="1" noChangeAspect="1"/>
-          </p:cNvSpPr>
-          <p:nvPr>
-            <p:ph type="sldImg" idx="2"/>
-          </p:nvPr>
-        </p:nvSpPr>
-        <p:spPr>
-          <a:xfrm>
-            <a:off x="381300" y="685800"/>
-            <a:ext cx="6096000" cy="3429000"/>
-          </a:xfrm>
-          <a:custGeom>
-            <a:avLst/>
-            <a:gdLst/>
-            <a:ahLst/>
-            <a:cxnLst/>
-            <a:rect l="l" t="t" r="r" b="b"/>
-            <a:pathLst>
-              <a:path w="120000" h="120000" extrusionOk="0">
-                <a:moveTo>
-                  <a:pt x="0" y="0"/>
-                </a:moveTo>
-                <a:lnTo>
-                  <a:pt x="120000" y="0"/>
-                </a:lnTo>
-                <a:lnTo>
-                  <a:pt x="120000" y="120000"/>
-                </a:lnTo>
-                <a:lnTo>
-                  <a:pt x="0" y="120000"/>
-                </a:lnTo>
-                <a:close/>
-              </a:path>
-            </a:pathLst>
-          </a:custGeom>
-        </p:spPr>
-      </p:sp>
-      <p:sp>
-        <p:nvSpPr>
-          <p:cNvPr id="91" name="Google Shape;91;g26e70a93f24_0_128:notes"/>
-          <p:cNvSpPr txBox="1">
-            <a:spLocks noGrp="1"/>
-          </p:cNvSpPr>
-          <p:nvPr>
-            <p:ph type="body" idx="1"/>
-          </p:nvPr>
-        </p:nvSpPr>
-        <p:spPr>
-          <a:xfrm>
-            <a:off x="685800" y="4343400"/>
-            <a:ext cx="5486400" cy="4114800"/>
-          </a:xfrm>
-          <a:prstGeom prst="rect">
-            <a:avLst/>
-          </a:prstGeom>
-        </p:spPr>
-        <p:txBody>
-          <a:bodyPr spcFirstLastPara="1" wrap="square" lIns="91425" tIns="91425" rIns="91425" bIns="91425" anchor="t" anchorCtr="0">
-            <a:noAutofit/>
-          </a:bodyPr>
-          <a:lstStyle/>
-          <a:p>
-            <a:pPr marL="0" lvl="0" indent="0" algn="l" rtl="0">
-              <a:spcBef>
-                <a:spcPts val="0"/>
-              </a:spcBef>
-              <a:spcAft>
-                <a:spcPts val="0"/>
-              </a:spcAft>
-              <a:buNone/>
-            </a:pPr>
-            <a:endParaRPr/>
           </a:p>
         </p:txBody>
       </p:sp>
@@ -1819,7 +1765,7 @@
 </file>
 
 <file path=ppt/notesSlides/notesSlide7.xml><?xml version="1.0" encoding="utf-8"?>
-<p:notes xmlns:a="http://schemas.openxmlformats.org/drawingml/2006/main" xmlns:r="http://schemas.openxmlformats.org/officeDocument/2006/relationships" xmlns:p="http://schemas.openxmlformats.org/presentationml/2006/main" showMasterSp="0" showMasterPhAnim="0">
+<p:notes xmlns:a="http://schemas.openxmlformats.org/drawingml/2006/main" xmlns:r="http://schemas.openxmlformats.org/officeDocument/2006/relationships" xmlns:p="http://schemas.openxmlformats.org/presentationml/2006/main" showMasterPhAnim="0" showMasterSp="0">
   <p:cSld>
     <p:spTree>
       <p:nvGrpSpPr>
@@ -1910,7 +1856,6 @@
               </a:spcAft>
               <a:buNone/>
             </a:pPr>
-            <a:endParaRPr/>
           </a:p>
         </p:txBody>
       </p:sp>
@@ -1923,7 +1868,7 @@
 </file>
 
 <file path=ppt/notesSlides/notesSlide8.xml><?xml version="1.0" encoding="utf-8"?>
-<p:notes xmlns:a="http://schemas.openxmlformats.org/drawingml/2006/main" xmlns:r="http://schemas.openxmlformats.org/officeDocument/2006/relationships" xmlns:p="http://schemas.openxmlformats.org/presentationml/2006/main" showMasterSp="0" showMasterPhAnim="0">
+<p:notes xmlns:a="http://schemas.openxmlformats.org/drawingml/2006/main" xmlns:r="http://schemas.openxmlformats.org/officeDocument/2006/relationships" xmlns:p="http://schemas.openxmlformats.org/presentationml/2006/main" showMasterPhAnim="0" showMasterSp="0">
   <p:cSld>
     <p:spTree>
       <p:nvGrpSpPr>
@@ -2014,7 +1959,6 @@
               </a:spcAft>
               <a:buNone/>
             </a:pPr>
-            <a:endParaRPr/>
           </a:p>
         </p:txBody>
       </p:sp>
@@ -2027,7 +1971,7 @@
 </file>
 
 <file path=ppt/notesSlides/notesSlide9.xml><?xml version="1.0" encoding="utf-8"?>
-<p:notes xmlns:a="http://schemas.openxmlformats.org/drawingml/2006/main" xmlns:r="http://schemas.openxmlformats.org/officeDocument/2006/relationships" xmlns:p="http://schemas.openxmlformats.org/presentationml/2006/main" showMasterSp="0" showMasterPhAnim="0">
+<p:notes xmlns:a="http://schemas.openxmlformats.org/drawingml/2006/main" xmlns:r="http://schemas.openxmlformats.org/officeDocument/2006/relationships" xmlns:p="http://schemas.openxmlformats.org/presentationml/2006/main" showMasterPhAnim="0" showMasterSp="0">
   <p:cSld>
     <p:spTree>
       <p:nvGrpSpPr>
@@ -2118,7 +2062,6 @@
               </a:spcAft>
               <a:buNone/>
             </a:pPr>
-            <a:endParaRPr/>
           </a:p>
         </p:txBody>
       </p:sp>
@@ -2131,7 +2074,7 @@
 </file>
 
 <file path=ppt/slideLayouts/slideLayout1.xml><?xml version="1.0" encoding="utf-8"?>
-<p:sldLayout xmlns:a="http://schemas.openxmlformats.org/drawingml/2006/main" xmlns:r="http://schemas.openxmlformats.org/officeDocument/2006/relationships" xmlns:p="http://schemas.openxmlformats.org/presentationml/2006/main" matchingName="Title slide" type="title">
+<p:sldLayout xmlns:a="http://schemas.openxmlformats.org/drawingml/2006/main" xmlns:r="http://schemas.openxmlformats.org/officeDocument/2006/relationships" xmlns:p="http://schemas.openxmlformats.org/presentationml/2006/main" type="title" matchingName="Title slide">
   <p:cSld name="TITLE">
     <p:spTree>
       <p:nvGrpSpPr>
@@ -2383,9 +2326,7 @@
               <a:defRPr sz="4000"/>
             </a:lvl9pPr>
           </a:lstStyle>
-          <a:p>
-            <a:endParaRPr/>
-          </a:p>
+          <a:p/>
         </p:txBody>
       </p:sp>
       <p:sp>
@@ -2647,9 +2588,7 @@
               </a:defRPr>
             </a:lvl9pPr>
           </a:lstStyle>
-          <a:p>
-            <a:endParaRPr/>
-          </a:p>
+          <a:p/>
         </p:txBody>
       </p:sp>
       <p:sp>
@@ -2724,10 +2663,9 @@
               <a:buNone/>
             </a:pPr>
             <a:fld id="{00000000-1234-1234-1234-123412341234}" type="slidenum">
-              <a:rPr lang="en"/>
-              <a:t>‹#›</a:t>
+              <a:rPr lang="en-GB"/>
             </a:fld>
-            <a:endParaRPr/>
+            <a:endParaRPr lang="en-GB"/>
           </a:p>
         </p:txBody>
       </p:sp>
@@ -2792,7 +2730,6 @@
               </a:spcAft>
               <a:buNone/>
             </a:pPr>
-            <a:endParaRPr/>
           </a:p>
         </p:txBody>
       </p:sp>
@@ -3114,9 +3051,7 @@
               <a:defRPr/>
             </a:lvl9pPr>
           </a:lstStyle>
-          <a:p>
-            <a:endParaRPr/>
-          </a:p>
+          <a:p/>
         </p:txBody>
       </p:sp>
       <p:sp>
@@ -3191,10 +3126,9 @@
               <a:buNone/>
             </a:pPr>
             <a:fld id="{00000000-1234-1234-1234-123412341234}" type="slidenum">
-              <a:rPr lang="en"/>
-              <a:t>‹#›</a:t>
+              <a:rPr lang="en-GB"/>
             </a:fld>
-            <a:endParaRPr/>
+            <a:endParaRPr lang="en-GB"/>
           </a:p>
         </p:txBody>
       </p:sp>
@@ -3207,7 +3141,7 @@
 </file>
 
 <file path=ppt/slideLayouts/slideLayout11.xml><?xml version="1.0" encoding="utf-8"?>
-<p:sldLayout xmlns:a="http://schemas.openxmlformats.org/drawingml/2006/main" xmlns:r="http://schemas.openxmlformats.org/officeDocument/2006/relationships" xmlns:p="http://schemas.openxmlformats.org/presentationml/2006/main" matchingName="Blank" type="blank">
+<p:sldLayout xmlns:a="http://schemas.openxmlformats.org/drawingml/2006/main" xmlns:r="http://schemas.openxmlformats.org/officeDocument/2006/relationships" xmlns:p="http://schemas.openxmlformats.org/presentationml/2006/main" type="blank" matchingName="Blank">
   <p:cSld name="BLANK">
     <p:spTree>
       <p:nvGrpSpPr>
@@ -3295,10 +3229,9 @@
               <a:buNone/>
             </a:pPr>
             <a:fld id="{00000000-1234-1234-1234-123412341234}" type="slidenum">
-              <a:rPr lang="en"/>
-              <a:t>‹#›</a:t>
+              <a:rPr lang="en-GB"/>
             </a:fld>
-            <a:endParaRPr/>
+            <a:endParaRPr lang="en-GB"/>
           </a:p>
         </p:txBody>
       </p:sp>
@@ -3311,7 +3244,7 @@
 </file>
 
 <file path=ppt/slideLayouts/slideLayout2.xml><?xml version="1.0" encoding="utf-8"?>
-<p:sldLayout xmlns:a="http://schemas.openxmlformats.org/drawingml/2006/main" xmlns:r="http://schemas.openxmlformats.org/officeDocument/2006/relationships" xmlns:p="http://schemas.openxmlformats.org/presentationml/2006/main" matchingName="Section header" type="secHead">
+<p:sldLayout xmlns:a="http://schemas.openxmlformats.org/drawingml/2006/main" xmlns:r="http://schemas.openxmlformats.org/officeDocument/2006/relationships" xmlns:p="http://schemas.openxmlformats.org/presentationml/2006/main" type="secHead" matchingName="Section header">
   <p:cSld name="SECTION_HEADER">
     <p:spTree>
       <p:nvGrpSpPr>
@@ -3477,9 +3410,7 @@
               <a:defRPr sz="4800"/>
             </a:lvl9pPr>
           </a:lstStyle>
-          <a:p>
-            <a:endParaRPr/>
-          </a:p>
+          <a:p/>
         </p:txBody>
       </p:sp>
       <p:sp>
@@ -3554,10 +3485,9 @@
               <a:buNone/>
             </a:pPr>
             <a:fld id="{00000000-1234-1234-1234-123412341234}" type="slidenum">
-              <a:rPr lang="en"/>
-              <a:t>‹#›</a:t>
+              <a:rPr lang="en-GB"/>
             </a:fld>
-            <a:endParaRPr/>
+            <a:endParaRPr lang="en-GB"/>
           </a:p>
         </p:txBody>
       </p:sp>
@@ -3570,7 +3500,7 @@
 </file>
 
 <file path=ppt/slideLayouts/slideLayout3.xml><?xml version="1.0" encoding="utf-8"?>
-<p:sldLayout xmlns:a="http://schemas.openxmlformats.org/drawingml/2006/main" xmlns:r="http://schemas.openxmlformats.org/officeDocument/2006/relationships" xmlns:p="http://schemas.openxmlformats.org/presentationml/2006/main" matchingName="Title and body" type="tx">
+<p:sldLayout xmlns:a="http://schemas.openxmlformats.org/drawingml/2006/main" xmlns:r="http://schemas.openxmlformats.org/officeDocument/2006/relationships" xmlns:p="http://schemas.openxmlformats.org/presentationml/2006/main" type="tx" matchingName="Title and body">
   <p:cSld name="TITLE_AND_BODY">
     <p:spTree>
       <p:nvGrpSpPr>
@@ -3736,9 +3666,7 @@
               <a:defRPr/>
             </a:lvl9pPr>
           </a:lstStyle>
-          <a:p>
-            <a:endParaRPr/>
-          </a:p>
+          <a:p/>
         </p:txBody>
       </p:sp>
       <p:sp>
@@ -3865,9 +3793,7 @@
               <a:defRPr/>
             </a:lvl9pPr>
           </a:lstStyle>
-          <a:p>
-            <a:endParaRPr/>
-          </a:p>
+          <a:p/>
         </p:txBody>
       </p:sp>
       <p:sp>
@@ -3942,10 +3868,9 @@
               <a:buNone/>
             </a:pPr>
             <a:fld id="{00000000-1234-1234-1234-123412341234}" type="slidenum">
-              <a:rPr lang="en"/>
-              <a:t>‹#›</a:t>
+              <a:rPr lang="en-GB"/>
             </a:fld>
-            <a:endParaRPr/>
+            <a:endParaRPr lang="en-GB"/>
           </a:p>
         </p:txBody>
       </p:sp>
@@ -3958,7 +3883,7 @@
 </file>
 
 <file path=ppt/slideLayouts/slideLayout4.xml><?xml version="1.0" encoding="utf-8"?>
-<p:sldLayout xmlns:a="http://schemas.openxmlformats.org/drawingml/2006/main" xmlns:r="http://schemas.openxmlformats.org/officeDocument/2006/relationships" xmlns:p="http://schemas.openxmlformats.org/presentationml/2006/main" matchingName="Title and two columns" type="twoColTx">
+<p:sldLayout xmlns:a="http://schemas.openxmlformats.org/drawingml/2006/main" xmlns:r="http://schemas.openxmlformats.org/officeDocument/2006/relationships" xmlns:p="http://schemas.openxmlformats.org/presentationml/2006/main" type="twoColTx" matchingName="Title and two columns">
   <p:cSld name="TITLE_AND_TWO_COLUMNS">
     <p:spTree>
       <p:nvGrpSpPr>
@@ -4124,9 +4049,7 @@
               <a:defRPr/>
             </a:lvl9pPr>
           </a:lstStyle>
-          <a:p>
-            <a:endParaRPr/>
-          </a:p>
+          <a:p/>
         </p:txBody>
       </p:sp>
       <p:sp>
@@ -4253,9 +4176,7 @@
               <a:defRPr sz="1200"/>
             </a:lvl9pPr>
           </a:lstStyle>
-          <a:p>
-            <a:endParaRPr/>
-          </a:p>
+          <a:p/>
         </p:txBody>
       </p:sp>
       <p:sp>
@@ -4382,9 +4303,7 @@
               <a:defRPr sz="1200"/>
             </a:lvl9pPr>
           </a:lstStyle>
-          <a:p>
-            <a:endParaRPr/>
-          </a:p>
+          <a:p/>
         </p:txBody>
       </p:sp>
       <p:sp>
@@ -4459,10 +4378,9 @@
               <a:buNone/>
             </a:pPr>
             <a:fld id="{00000000-1234-1234-1234-123412341234}" type="slidenum">
-              <a:rPr lang="en"/>
-              <a:t>‹#›</a:t>
+              <a:rPr lang="en-GB"/>
             </a:fld>
-            <a:endParaRPr/>
+            <a:endParaRPr lang="en-GB"/>
           </a:p>
         </p:txBody>
       </p:sp>
@@ -4475,7 +4393,7 @@
 </file>
 
 <file path=ppt/slideLayouts/slideLayout5.xml><?xml version="1.0" encoding="utf-8"?>
-<p:sldLayout xmlns:a="http://schemas.openxmlformats.org/drawingml/2006/main" xmlns:r="http://schemas.openxmlformats.org/officeDocument/2006/relationships" xmlns:p="http://schemas.openxmlformats.org/presentationml/2006/main" matchingName="Title only" type="titleOnly">
+<p:sldLayout xmlns:a="http://schemas.openxmlformats.org/drawingml/2006/main" xmlns:r="http://schemas.openxmlformats.org/officeDocument/2006/relationships" xmlns:p="http://schemas.openxmlformats.org/presentationml/2006/main" type="titleOnly" matchingName="Title only">
   <p:cSld name="TITLE_ONLY">
     <p:spTree>
       <p:nvGrpSpPr>
@@ -4615,9 +4533,7 @@
               <a:defRPr/>
             </a:lvl9pPr>
           </a:lstStyle>
-          <a:p>
-            <a:endParaRPr/>
-          </a:p>
+          <a:p/>
         </p:txBody>
       </p:sp>
       <p:sp>
@@ -4692,10 +4608,9 @@
               <a:buNone/>
             </a:pPr>
             <a:fld id="{00000000-1234-1234-1234-123412341234}" type="slidenum">
-              <a:rPr lang="en"/>
-              <a:t>‹#›</a:t>
+              <a:rPr lang="en-GB"/>
             </a:fld>
-            <a:endParaRPr/>
+            <a:endParaRPr lang="en-GB"/>
           </a:p>
         </p:txBody>
       </p:sp>
@@ -4874,9 +4789,7 @@
               <a:defRPr sz="2400"/>
             </a:lvl9pPr>
           </a:lstStyle>
-          <a:p>
-            <a:endParaRPr/>
-          </a:p>
+          <a:p/>
         </p:txBody>
       </p:sp>
       <p:sp>
@@ -5003,9 +4916,7 @@
               <a:defRPr sz="1200"/>
             </a:lvl9pPr>
           </a:lstStyle>
-          <a:p>
-            <a:endParaRPr/>
-          </a:p>
+          <a:p/>
         </p:txBody>
       </p:sp>
       <p:sp>
@@ -5080,10 +4991,9 @@
               <a:buNone/>
             </a:pPr>
             <a:fld id="{00000000-1234-1234-1234-123412341234}" type="slidenum">
-              <a:rPr lang="en"/>
-              <a:t>‹#›</a:t>
+              <a:rPr lang="en-GB"/>
             </a:fld>
-            <a:endParaRPr/>
+            <a:endParaRPr lang="en-GB"/>
           </a:p>
         </p:txBody>
       </p:sp>
@@ -5236,9 +5146,7 @@
               <a:defRPr sz="4800"/>
             </a:lvl9pPr>
           </a:lstStyle>
-          <a:p>
-            <a:endParaRPr/>
-          </a:p>
+          <a:p/>
         </p:txBody>
       </p:sp>
       <p:sp>
@@ -5313,10 +5221,9 @@
               <a:buNone/>
             </a:pPr>
             <a:fld id="{00000000-1234-1234-1234-123412341234}" type="slidenum">
-              <a:rPr lang="en"/>
-              <a:t>‹#›</a:t>
+              <a:rPr lang="en-GB"/>
             </a:fld>
-            <a:endParaRPr/>
+            <a:endParaRPr lang="en-GB"/>
           </a:p>
         </p:txBody>
       </p:sp>
@@ -5381,7 +5288,6 @@
               </a:spcAft>
               <a:buNone/>
             </a:pPr>
-            <a:endParaRPr/>
           </a:p>
         </p:txBody>
       </p:sp>
@@ -5535,9 +5441,7 @@
               <a:defRPr sz="3800"/>
             </a:lvl9pPr>
           </a:lstStyle>
-          <a:p>
-            <a:endParaRPr/>
-          </a:p>
+          <a:p/>
         </p:txBody>
       </p:sp>
       <p:sp>
@@ -5754,9 +5658,7 @@
               </a:defRPr>
             </a:lvl9pPr>
           </a:lstStyle>
-          <a:p>
-            <a:endParaRPr/>
-          </a:p>
+          <a:p/>
         </p:txBody>
       </p:sp>
       <p:sp>
@@ -5883,9 +5785,7 @@
               <a:defRPr/>
             </a:lvl9pPr>
           </a:lstStyle>
-          <a:p>
-            <a:endParaRPr/>
-          </a:p>
+          <a:p/>
         </p:txBody>
       </p:sp>
       <p:sp>
@@ -5960,10 +5860,9 @@
               <a:buNone/>
             </a:pPr>
             <a:fld id="{00000000-1234-1234-1234-123412341234}" type="slidenum">
-              <a:rPr lang="en"/>
-              <a:t>‹#›</a:t>
+              <a:rPr lang="en-GB"/>
             </a:fld>
-            <a:endParaRPr/>
+            <a:endParaRPr lang="en-GB"/>
           </a:p>
         </p:txBody>
       </p:sp>
@@ -6037,9 +5936,7 @@
               </a:defRPr>
             </a:lvl1pPr>
           </a:lstStyle>
-          <a:p>
-            <a:endParaRPr/>
-          </a:p>
+          <a:p/>
         </p:txBody>
       </p:sp>
       <p:sp>
@@ -6114,10 +6011,9 @@
               <a:buNone/>
             </a:pPr>
             <a:fld id="{00000000-1234-1234-1234-123412341234}" type="slidenum">
-              <a:rPr lang="en"/>
-              <a:t>‹#›</a:t>
+              <a:rPr lang="en-GB"/>
             </a:fld>
-            <a:endParaRPr/>
+            <a:endParaRPr lang="en-GB"/>
           </a:p>
         </p:txBody>
       </p:sp>
@@ -6131,7 +6027,7 @@
 
 <file path=ppt/slideMasters/slideMaster1.xml><?xml version="1.0" encoding="utf-8"?>
 <p:sldMaster xmlns:a="http://schemas.openxmlformats.org/drawingml/2006/main" xmlns:r="http://schemas.openxmlformats.org/officeDocument/2006/relationships" xmlns:p="http://schemas.openxmlformats.org/presentationml/2006/main">
-  <p:cSld name="marina">
+  <p:cSld>
     <p:bg>
       <p:bgPr>
         <a:solidFill>
@@ -6390,9 +6286,7 @@
               </a:defRPr>
             </a:lvl9pPr>
           </a:lstStyle>
-          <a:p>
-            <a:endParaRPr/>
-          </a:p>
+          <a:p/>
         </p:txBody>
       </p:sp>
       <p:sp>
@@ -6437,16 +6331,16 @@
                 <a:schemeClr val="dk1"/>
               </a:buClr>
               <a:buSzPts val="1800"/>
-              <a:buFont typeface="Roboto"/>
+              <a:buFont typeface="Roboto" panose="02000000000000000000"/>
               <a:buChar char="●"/>
               <a:defRPr sz="1800">
                 <a:solidFill>
                   <a:schemeClr val="dk1"/>
                 </a:solidFill>
-                <a:latin typeface="Roboto"/>
-                <a:ea typeface="Roboto"/>
-                <a:cs typeface="Roboto"/>
-                <a:sym typeface="Roboto"/>
+                <a:latin typeface="Roboto" panose="02000000000000000000"/>
+                <a:ea typeface="Roboto" panose="02000000000000000000"/>
+                <a:cs typeface="Roboto" panose="02000000000000000000"/>
+                <a:sym typeface="Roboto" panose="02000000000000000000"/>
               </a:defRPr>
             </a:lvl1pPr>
             <a:lvl2pPr marL="914400" lvl="1" indent="-317500">
@@ -6463,16 +6357,16 @@
                 <a:schemeClr val="dk1"/>
               </a:buClr>
               <a:buSzPts val="1400"/>
-              <a:buFont typeface="Roboto"/>
+              <a:buFont typeface="Roboto" panose="02000000000000000000"/>
               <a:buChar char="○"/>
               <a:defRPr>
                 <a:solidFill>
                   <a:schemeClr val="dk1"/>
                 </a:solidFill>
-                <a:latin typeface="Roboto"/>
-                <a:ea typeface="Roboto"/>
-                <a:cs typeface="Roboto"/>
-                <a:sym typeface="Roboto"/>
+                <a:latin typeface="Roboto" panose="02000000000000000000"/>
+                <a:ea typeface="Roboto" panose="02000000000000000000"/>
+                <a:cs typeface="Roboto" panose="02000000000000000000"/>
+                <a:sym typeface="Roboto" panose="02000000000000000000"/>
               </a:defRPr>
             </a:lvl2pPr>
             <a:lvl3pPr marL="1371600" lvl="2" indent="-317500">
@@ -6489,16 +6383,16 @@
                 <a:schemeClr val="dk1"/>
               </a:buClr>
               <a:buSzPts val="1400"/>
-              <a:buFont typeface="Roboto"/>
+              <a:buFont typeface="Roboto" panose="02000000000000000000"/>
               <a:buChar char="■"/>
               <a:defRPr>
                 <a:solidFill>
                   <a:schemeClr val="dk1"/>
                 </a:solidFill>
-                <a:latin typeface="Roboto"/>
-                <a:ea typeface="Roboto"/>
-                <a:cs typeface="Roboto"/>
-                <a:sym typeface="Roboto"/>
+                <a:latin typeface="Roboto" panose="02000000000000000000"/>
+                <a:ea typeface="Roboto" panose="02000000000000000000"/>
+                <a:cs typeface="Roboto" panose="02000000000000000000"/>
+                <a:sym typeface="Roboto" panose="02000000000000000000"/>
               </a:defRPr>
             </a:lvl3pPr>
             <a:lvl4pPr marL="1828800" lvl="3" indent="-317500">
@@ -6515,16 +6409,16 @@
                 <a:schemeClr val="dk1"/>
               </a:buClr>
               <a:buSzPts val="1400"/>
-              <a:buFont typeface="Roboto"/>
+              <a:buFont typeface="Roboto" panose="02000000000000000000"/>
               <a:buChar char="●"/>
               <a:defRPr>
                 <a:solidFill>
                   <a:schemeClr val="dk1"/>
                 </a:solidFill>
-                <a:latin typeface="Roboto"/>
-                <a:ea typeface="Roboto"/>
-                <a:cs typeface="Roboto"/>
-                <a:sym typeface="Roboto"/>
+                <a:latin typeface="Roboto" panose="02000000000000000000"/>
+                <a:ea typeface="Roboto" panose="02000000000000000000"/>
+                <a:cs typeface="Roboto" panose="02000000000000000000"/>
+                <a:sym typeface="Roboto" panose="02000000000000000000"/>
               </a:defRPr>
             </a:lvl4pPr>
             <a:lvl5pPr marL="2286000" lvl="4" indent="-317500">
@@ -6541,16 +6435,16 @@
                 <a:schemeClr val="dk1"/>
               </a:buClr>
               <a:buSzPts val="1400"/>
-              <a:buFont typeface="Roboto"/>
+              <a:buFont typeface="Roboto" panose="02000000000000000000"/>
               <a:buChar char="○"/>
               <a:defRPr>
                 <a:solidFill>
                   <a:schemeClr val="dk1"/>
                 </a:solidFill>
-                <a:latin typeface="Roboto"/>
-                <a:ea typeface="Roboto"/>
-                <a:cs typeface="Roboto"/>
-                <a:sym typeface="Roboto"/>
+                <a:latin typeface="Roboto" panose="02000000000000000000"/>
+                <a:ea typeface="Roboto" panose="02000000000000000000"/>
+                <a:cs typeface="Roboto" panose="02000000000000000000"/>
+                <a:sym typeface="Roboto" panose="02000000000000000000"/>
               </a:defRPr>
             </a:lvl5pPr>
             <a:lvl6pPr marL="2743200" lvl="5" indent="-317500">
@@ -6567,16 +6461,16 @@
                 <a:schemeClr val="dk1"/>
               </a:buClr>
               <a:buSzPts val="1400"/>
-              <a:buFont typeface="Roboto"/>
+              <a:buFont typeface="Roboto" panose="02000000000000000000"/>
               <a:buChar char="■"/>
               <a:defRPr>
                 <a:solidFill>
                   <a:schemeClr val="dk1"/>
                 </a:solidFill>
-                <a:latin typeface="Roboto"/>
-                <a:ea typeface="Roboto"/>
-                <a:cs typeface="Roboto"/>
-                <a:sym typeface="Roboto"/>
+                <a:latin typeface="Roboto" panose="02000000000000000000"/>
+                <a:ea typeface="Roboto" panose="02000000000000000000"/>
+                <a:cs typeface="Roboto" panose="02000000000000000000"/>
+                <a:sym typeface="Roboto" panose="02000000000000000000"/>
               </a:defRPr>
             </a:lvl6pPr>
             <a:lvl7pPr marL="3200400" lvl="6" indent="-317500">
@@ -6593,16 +6487,16 @@
                 <a:schemeClr val="dk1"/>
               </a:buClr>
               <a:buSzPts val="1400"/>
-              <a:buFont typeface="Roboto"/>
+              <a:buFont typeface="Roboto" panose="02000000000000000000"/>
               <a:buChar char="●"/>
               <a:defRPr>
                 <a:solidFill>
                   <a:schemeClr val="dk1"/>
                 </a:solidFill>
-                <a:latin typeface="Roboto"/>
-                <a:ea typeface="Roboto"/>
-                <a:cs typeface="Roboto"/>
-                <a:sym typeface="Roboto"/>
+                <a:latin typeface="Roboto" panose="02000000000000000000"/>
+                <a:ea typeface="Roboto" panose="02000000000000000000"/>
+                <a:cs typeface="Roboto" panose="02000000000000000000"/>
+                <a:sym typeface="Roboto" panose="02000000000000000000"/>
               </a:defRPr>
             </a:lvl7pPr>
             <a:lvl8pPr marL="3657600" lvl="7" indent="-317500">
@@ -6619,16 +6513,16 @@
                 <a:schemeClr val="dk1"/>
               </a:buClr>
               <a:buSzPts val="1400"/>
-              <a:buFont typeface="Roboto"/>
+              <a:buFont typeface="Roboto" panose="02000000000000000000"/>
               <a:buChar char="○"/>
               <a:defRPr>
                 <a:solidFill>
                   <a:schemeClr val="dk1"/>
                 </a:solidFill>
-                <a:latin typeface="Roboto"/>
-                <a:ea typeface="Roboto"/>
-                <a:cs typeface="Roboto"/>
-                <a:sym typeface="Roboto"/>
+                <a:latin typeface="Roboto" panose="02000000000000000000"/>
+                <a:ea typeface="Roboto" panose="02000000000000000000"/>
+                <a:cs typeface="Roboto" panose="02000000000000000000"/>
+                <a:sym typeface="Roboto" panose="02000000000000000000"/>
               </a:defRPr>
             </a:lvl8pPr>
             <a:lvl9pPr marL="4114800" lvl="8" indent="-317500">
@@ -6645,22 +6539,20 @@
                 <a:schemeClr val="dk1"/>
               </a:buClr>
               <a:buSzPts val="1400"/>
-              <a:buFont typeface="Roboto"/>
+              <a:buFont typeface="Roboto" panose="02000000000000000000"/>
               <a:buChar char="■"/>
               <a:defRPr>
                 <a:solidFill>
                   <a:schemeClr val="dk1"/>
                 </a:solidFill>
-                <a:latin typeface="Roboto"/>
-                <a:ea typeface="Roboto"/>
-                <a:cs typeface="Roboto"/>
-                <a:sym typeface="Roboto"/>
+                <a:latin typeface="Roboto" panose="02000000000000000000"/>
+                <a:ea typeface="Roboto" panose="02000000000000000000"/>
+                <a:cs typeface="Roboto" panose="02000000000000000000"/>
+                <a:sym typeface="Roboto" panose="02000000000000000000"/>
               </a:defRPr>
             </a:lvl9pPr>
           </a:lstStyle>
-          <a:p>
-            <a:endParaRPr/>
-          </a:p>
+          <a:p/>
         </p:txBody>
       </p:sp>
       <p:sp>
@@ -6697,10 +6589,10 @@
                 <a:solidFill>
                   <a:schemeClr val="dk1"/>
                 </a:solidFill>
-                <a:latin typeface="Roboto"/>
-                <a:ea typeface="Roboto"/>
-                <a:cs typeface="Roboto"/>
-                <a:sym typeface="Roboto"/>
+                <a:latin typeface="Roboto" panose="02000000000000000000"/>
+                <a:ea typeface="Roboto" panose="02000000000000000000"/>
+                <a:cs typeface="Roboto" panose="02000000000000000000"/>
+                <a:sym typeface="Roboto" panose="02000000000000000000"/>
               </a:defRPr>
             </a:lvl1pPr>
             <a:lvl2pPr lvl="1" algn="r">
@@ -6709,10 +6601,10 @@
                 <a:solidFill>
                   <a:schemeClr val="dk1"/>
                 </a:solidFill>
-                <a:latin typeface="Roboto"/>
-                <a:ea typeface="Roboto"/>
-                <a:cs typeface="Roboto"/>
-                <a:sym typeface="Roboto"/>
+                <a:latin typeface="Roboto" panose="02000000000000000000"/>
+                <a:ea typeface="Roboto" panose="02000000000000000000"/>
+                <a:cs typeface="Roboto" panose="02000000000000000000"/>
+                <a:sym typeface="Roboto" panose="02000000000000000000"/>
               </a:defRPr>
             </a:lvl2pPr>
             <a:lvl3pPr lvl="2" algn="r">
@@ -6721,10 +6613,10 @@
                 <a:solidFill>
                   <a:schemeClr val="dk1"/>
                 </a:solidFill>
-                <a:latin typeface="Roboto"/>
-                <a:ea typeface="Roboto"/>
-                <a:cs typeface="Roboto"/>
-                <a:sym typeface="Roboto"/>
+                <a:latin typeface="Roboto" panose="02000000000000000000"/>
+                <a:ea typeface="Roboto" panose="02000000000000000000"/>
+                <a:cs typeface="Roboto" panose="02000000000000000000"/>
+                <a:sym typeface="Roboto" panose="02000000000000000000"/>
               </a:defRPr>
             </a:lvl3pPr>
             <a:lvl4pPr lvl="3" algn="r">
@@ -6733,10 +6625,10 @@
                 <a:solidFill>
                   <a:schemeClr val="dk1"/>
                 </a:solidFill>
-                <a:latin typeface="Roboto"/>
-                <a:ea typeface="Roboto"/>
-                <a:cs typeface="Roboto"/>
-                <a:sym typeface="Roboto"/>
+                <a:latin typeface="Roboto" panose="02000000000000000000"/>
+                <a:ea typeface="Roboto" panose="02000000000000000000"/>
+                <a:cs typeface="Roboto" panose="02000000000000000000"/>
+                <a:sym typeface="Roboto" panose="02000000000000000000"/>
               </a:defRPr>
             </a:lvl4pPr>
             <a:lvl5pPr lvl="4" algn="r">
@@ -6745,10 +6637,10 @@
                 <a:solidFill>
                   <a:schemeClr val="dk1"/>
                 </a:solidFill>
-                <a:latin typeface="Roboto"/>
-                <a:ea typeface="Roboto"/>
-                <a:cs typeface="Roboto"/>
-                <a:sym typeface="Roboto"/>
+                <a:latin typeface="Roboto" panose="02000000000000000000"/>
+                <a:ea typeface="Roboto" panose="02000000000000000000"/>
+                <a:cs typeface="Roboto" panose="02000000000000000000"/>
+                <a:sym typeface="Roboto" panose="02000000000000000000"/>
               </a:defRPr>
             </a:lvl5pPr>
             <a:lvl6pPr lvl="5" algn="r">
@@ -6757,10 +6649,10 @@
                 <a:solidFill>
                   <a:schemeClr val="dk1"/>
                 </a:solidFill>
-                <a:latin typeface="Roboto"/>
-                <a:ea typeface="Roboto"/>
-                <a:cs typeface="Roboto"/>
-                <a:sym typeface="Roboto"/>
+                <a:latin typeface="Roboto" panose="02000000000000000000"/>
+                <a:ea typeface="Roboto" panose="02000000000000000000"/>
+                <a:cs typeface="Roboto" panose="02000000000000000000"/>
+                <a:sym typeface="Roboto" panose="02000000000000000000"/>
               </a:defRPr>
             </a:lvl6pPr>
             <a:lvl7pPr lvl="6" algn="r">
@@ -6769,10 +6661,10 @@
                 <a:solidFill>
                   <a:schemeClr val="dk1"/>
                 </a:solidFill>
-                <a:latin typeface="Roboto"/>
-                <a:ea typeface="Roboto"/>
-                <a:cs typeface="Roboto"/>
-                <a:sym typeface="Roboto"/>
+                <a:latin typeface="Roboto" panose="02000000000000000000"/>
+                <a:ea typeface="Roboto" panose="02000000000000000000"/>
+                <a:cs typeface="Roboto" panose="02000000000000000000"/>
+                <a:sym typeface="Roboto" panose="02000000000000000000"/>
               </a:defRPr>
             </a:lvl7pPr>
             <a:lvl8pPr lvl="7" algn="r">
@@ -6781,10 +6673,10 @@
                 <a:solidFill>
                   <a:schemeClr val="dk1"/>
                 </a:solidFill>
-                <a:latin typeface="Roboto"/>
-                <a:ea typeface="Roboto"/>
-                <a:cs typeface="Roboto"/>
-                <a:sym typeface="Roboto"/>
+                <a:latin typeface="Roboto" panose="02000000000000000000"/>
+                <a:ea typeface="Roboto" panose="02000000000000000000"/>
+                <a:cs typeface="Roboto" panose="02000000000000000000"/>
+                <a:sym typeface="Roboto" panose="02000000000000000000"/>
               </a:defRPr>
             </a:lvl8pPr>
             <a:lvl9pPr lvl="8" algn="r">
@@ -6793,10 +6685,10 @@
                 <a:solidFill>
                   <a:schemeClr val="dk1"/>
                 </a:solidFill>
-                <a:latin typeface="Roboto"/>
-                <a:ea typeface="Roboto"/>
-                <a:cs typeface="Roboto"/>
-                <a:sym typeface="Roboto"/>
+                <a:latin typeface="Roboto" panose="02000000000000000000"/>
+                <a:ea typeface="Roboto" panose="02000000000000000000"/>
+                <a:cs typeface="Roboto" panose="02000000000000000000"/>
+                <a:sym typeface="Roboto" panose="02000000000000000000"/>
               </a:defRPr>
             </a:lvl9pPr>
           </a:lstStyle>
@@ -6811,10 +6703,9 @@
               <a:buNone/>
             </a:pPr>
             <a:fld id="{00000000-1234-1234-1234-123412341234}" type="slidenum">
-              <a:rPr lang="en"/>
-              <a:t>‹#›</a:t>
+              <a:rPr lang="en-GB"/>
             </a:fld>
-            <a:endParaRPr/>
+            <a:endParaRPr lang="en-GB"/>
           </a:p>
         </p:txBody>
       </p:sp>
@@ -6822,17 +6713,17 @@
   </p:cSld>
   <p:clrMap bg1="lt1" tx1="dk1" bg2="dk2" tx2="lt2" accent1="accent1" accent2="accent2" accent3="accent3" accent4="accent4" accent5="accent5" accent6="accent6" hlink="hlink" folHlink="folHlink"/>
   <p:sldLayoutIdLst>
-    <p:sldLayoutId id="2147483648" r:id="rId1"/>
-    <p:sldLayoutId id="2147483649" r:id="rId2"/>
-    <p:sldLayoutId id="2147483650" r:id="rId3"/>
-    <p:sldLayoutId id="2147483651" r:id="rId4"/>
-    <p:sldLayoutId id="2147483652" r:id="rId5"/>
-    <p:sldLayoutId id="2147483653" r:id="rId6"/>
-    <p:sldLayoutId id="2147483654" r:id="rId7"/>
-    <p:sldLayoutId id="2147483655" r:id="rId8"/>
-    <p:sldLayoutId id="2147483656" r:id="rId9"/>
-    <p:sldLayoutId id="2147483657" r:id="rId10"/>
-    <p:sldLayoutId id="2147483658" r:id="rId11"/>
+    <p:sldLayoutId id="2147483649" r:id="rId1"/>
+    <p:sldLayoutId id="2147483650" r:id="rId2"/>
+    <p:sldLayoutId id="2147483651" r:id="rId3"/>
+    <p:sldLayoutId id="2147483652" r:id="rId4"/>
+    <p:sldLayoutId id="2147483653" r:id="rId5"/>
+    <p:sldLayoutId id="2147483654" r:id="rId6"/>
+    <p:sldLayoutId id="2147483655" r:id="rId7"/>
+    <p:sldLayoutId id="2147483656" r:id="rId8"/>
+    <p:sldLayoutId id="2147483657" r:id="rId9"/>
+    <p:sldLayoutId id="2147483658" r:id="rId10"/>
+    <p:sldLayoutId id="2147483659" r:id="rId11"/>
   </p:sldLayoutIdLst>
   <p:hf sldNum="0" hdr="0" ftr="0" dt="0"/>
   <p:txStyles>
@@ -6861,15 +6752,15 @@
         <a:buClr>
           <a:srgbClr val="000000"/>
         </a:buClr>
-        <a:buFont typeface="Arial"/>
+        <a:buFont typeface="Arial" panose="020B0604020202020204"/>
         <a:defRPr sz="1400" b="0" i="0" u="none" strike="noStrike" cap="none">
           <a:solidFill>
             <a:srgbClr val="000000"/>
           </a:solidFill>
-          <a:latin typeface="Arial"/>
-          <a:ea typeface="Arial"/>
-          <a:cs typeface="Arial"/>
-          <a:sym typeface="Arial"/>
+          <a:latin typeface="Arial" panose="020B0604020202020204"/>
+          <a:ea typeface="Arial" panose="020B0604020202020204"/>
+          <a:cs typeface="Arial" panose="020B0604020202020204"/>
+          <a:sym typeface="Arial" panose="020B0604020202020204"/>
         </a:defRPr>
       </a:lvl1pPr>
       <a:lvl2pPr marR="0" lvl="1" algn="l" rtl="0">
@@ -6885,15 +6776,15 @@
         <a:buClr>
           <a:srgbClr val="000000"/>
         </a:buClr>
-        <a:buFont typeface="Arial"/>
+        <a:buFont typeface="Arial" panose="020B0604020202020204"/>
         <a:defRPr sz="1400" b="0" i="0" u="none" strike="noStrike" cap="none">
           <a:solidFill>
             <a:srgbClr val="000000"/>
           </a:solidFill>
-          <a:latin typeface="Arial"/>
-          <a:ea typeface="Arial"/>
-          <a:cs typeface="Arial"/>
-          <a:sym typeface="Arial"/>
+          <a:latin typeface="Arial" panose="020B0604020202020204"/>
+          <a:ea typeface="Arial" panose="020B0604020202020204"/>
+          <a:cs typeface="Arial" panose="020B0604020202020204"/>
+          <a:sym typeface="Arial" panose="020B0604020202020204"/>
         </a:defRPr>
       </a:lvl2pPr>
       <a:lvl3pPr marR="0" lvl="2" algn="l" rtl="0">
@@ -6909,15 +6800,15 @@
         <a:buClr>
           <a:srgbClr val="000000"/>
         </a:buClr>
-        <a:buFont typeface="Arial"/>
+        <a:buFont typeface="Arial" panose="020B0604020202020204"/>
         <a:defRPr sz="1400" b="0" i="0" u="none" strike="noStrike" cap="none">
           <a:solidFill>
             <a:srgbClr val="000000"/>
           </a:solidFill>
-          <a:latin typeface="Arial"/>
-          <a:ea typeface="Arial"/>
-          <a:cs typeface="Arial"/>
-          <a:sym typeface="Arial"/>
+          <a:latin typeface="Arial" panose="020B0604020202020204"/>
+          <a:ea typeface="Arial" panose="020B0604020202020204"/>
+          <a:cs typeface="Arial" panose="020B0604020202020204"/>
+          <a:sym typeface="Arial" panose="020B0604020202020204"/>
         </a:defRPr>
       </a:lvl3pPr>
       <a:lvl4pPr marR="0" lvl="3" algn="l" rtl="0">
@@ -6933,15 +6824,15 @@
         <a:buClr>
           <a:srgbClr val="000000"/>
         </a:buClr>
-        <a:buFont typeface="Arial"/>
+        <a:buFont typeface="Arial" panose="020B0604020202020204"/>
         <a:defRPr sz="1400" b="0" i="0" u="none" strike="noStrike" cap="none">
           <a:solidFill>
             <a:srgbClr val="000000"/>
           </a:solidFill>
-          <a:latin typeface="Arial"/>
-          <a:ea typeface="Arial"/>
-          <a:cs typeface="Arial"/>
-          <a:sym typeface="Arial"/>
+          <a:latin typeface="Arial" panose="020B0604020202020204"/>
+          <a:ea typeface="Arial" panose="020B0604020202020204"/>
+          <a:cs typeface="Arial" panose="020B0604020202020204"/>
+          <a:sym typeface="Arial" panose="020B0604020202020204"/>
         </a:defRPr>
       </a:lvl4pPr>
       <a:lvl5pPr marR="0" lvl="4" algn="l" rtl="0">
@@ -6957,15 +6848,15 @@
         <a:buClr>
           <a:srgbClr val="000000"/>
         </a:buClr>
-        <a:buFont typeface="Arial"/>
+        <a:buFont typeface="Arial" panose="020B0604020202020204"/>
         <a:defRPr sz="1400" b="0" i="0" u="none" strike="noStrike" cap="none">
           <a:solidFill>
             <a:srgbClr val="000000"/>
           </a:solidFill>
-          <a:latin typeface="Arial"/>
-          <a:ea typeface="Arial"/>
-          <a:cs typeface="Arial"/>
-          <a:sym typeface="Arial"/>
+          <a:latin typeface="Arial" panose="020B0604020202020204"/>
+          <a:ea typeface="Arial" panose="020B0604020202020204"/>
+          <a:cs typeface="Arial" panose="020B0604020202020204"/>
+          <a:sym typeface="Arial" panose="020B0604020202020204"/>
         </a:defRPr>
       </a:lvl5pPr>
       <a:lvl6pPr marR="0" lvl="5" algn="l" rtl="0">
@@ -6981,15 +6872,15 @@
         <a:buClr>
           <a:srgbClr val="000000"/>
         </a:buClr>
-        <a:buFont typeface="Arial"/>
+        <a:buFont typeface="Arial" panose="020B0604020202020204"/>
         <a:defRPr sz="1400" b="0" i="0" u="none" strike="noStrike" cap="none">
           <a:solidFill>
             <a:srgbClr val="000000"/>
           </a:solidFill>
-          <a:latin typeface="Arial"/>
-          <a:ea typeface="Arial"/>
-          <a:cs typeface="Arial"/>
-          <a:sym typeface="Arial"/>
+          <a:latin typeface="Arial" panose="020B0604020202020204"/>
+          <a:ea typeface="Arial" panose="020B0604020202020204"/>
+          <a:cs typeface="Arial" panose="020B0604020202020204"/>
+          <a:sym typeface="Arial" panose="020B0604020202020204"/>
         </a:defRPr>
       </a:lvl6pPr>
       <a:lvl7pPr marR="0" lvl="6" algn="l" rtl="0">
@@ -7005,15 +6896,15 @@
         <a:buClr>
           <a:srgbClr val="000000"/>
         </a:buClr>
-        <a:buFont typeface="Arial"/>
+        <a:buFont typeface="Arial" panose="020B0604020202020204"/>
         <a:defRPr sz="1400" b="0" i="0" u="none" strike="noStrike" cap="none">
           <a:solidFill>
             <a:srgbClr val="000000"/>
           </a:solidFill>
-          <a:latin typeface="Arial"/>
-          <a:ea typeface="Arial"/>
-          <a:cs typeface="Arial"/>
-          <a:sym typeface="Arial"/>
+          <a:latin typeface="Arial" panose="020B0604020202020204"/>
+          <a:ea typeface="Arial" panose="020B0604020202020204"/>
+          <a:cs typeface="Arial" panose="020B0604020202020204"/>
+          <a:sym typeface="Arial" panose="020B0604020202020204"/>
         </a:defRPr>
       </a:lvl7pPr>
       <a:lvl8pPr marR="0" lvl="7" algn="l" rtl="0">
@@ -7029,15 +6920,15 @@
         <a:buClr>
           <a:srgbClr val="000000"/>
         </a:buClr>
-        <a:buFont typeface="Arial"/>
+        <a:buFont typeface="Arial" panose="020B0604020202020204"/>
         <a:defRPr sz="1400" b="0" i="0" u="none" strike="noStrike" cap="none">
           <a:solidFill>
             <a:srgbClr val="000000"/>
           </a:solidFill>
-          <a:latin typeface="Arial"/>
-          <a:ea typeface="Arial"/>
-          <a:cs typeface="Arial"/>
-          <a:sym typeface="Arial"/>
+          <a:latin typeface="Arial" panose="020B0604020202020204"/>
+          <a:ea typeface="Arial" panose="020B0604020202020204"/>
+          <a:cs typeface="Arial" panose="020B0604020202020204"/>
+          <a:sym typeface="Arial" panose="020B0604020202020204"/>
         </a:defRPr>
       </a:lvl8pPr>
       <a:lvl9pPr marR="0" lvl="8" algn="l" rtl="0">
@@ -7053,15 +6944,15 @@
         <a:buClr>
           <a:srgbClr val="000000"/>
         </a:buClr>
-        <a:buFont typeface="Arial"/>
+        <a:buFont typeface="Arial" panose="020B0604020202020204"/>
         <a:defRPr sz="1400" b="0" i="0" u="none" strike="noStrike" cap="none">
           <a:solidFill>
             <a:srgbClr val="000000"/>
           </a:solidFill>
-          <a:latin typeface="Arial"/>
-          <a:ea typeface="Arial"/>
-          <a:cs typeface="Arial"/>
-          <a:sym typeface="Arial"/>
+          <a:latin typeface="Arial" panose="020B0604020202020204"/>
+          <a:ea typeface="Arial" panose="020B0604020202020204"/>
+          <a:cs typeface="Arial" panose="020B0604020202020204"/>
+          <a:sym typeface="Arial" panose="020B0604020202020204"/>
         </a:defRPr>
       </a:lvl9pPr>
     </p:titleStyle>
@@ -7090,15 +6981,15 @@
         <a:buClr>
           <a:srgbClr val="000000"/>
         </a:buClr>
-        <a:buFont typeface="Arial"/>
+        <a:buFont typeface="Arial" panose="020B0604020202020204"/>
         <a:defRPr sz="1400" b="0" i="0" u="none" strike="noStrike" cap="none">
           <a:solidFill>
             <a:srgbClr val="000000"/>
           </a:solidFill>
-          <a:latin typeface="Arial"/>
-          <a:ea typeface="Arial"/>
-          <a:cs typeface="Arial"/>
-          <a:sym typeface="Arial"/>
+          <a:latin typeface="Arial" panose="020B0604020202020204"/>
+          <a:ea typeface="Arial" panose="020B0604020202020204"/>
+          <a:cs typeface="Arial" panose="020B0604020202020204"/>
+          <a:sym typeface="Arial" panose="020B0604020202020204"/>
         </a:defRPr>
       </a:lvl1pPr>
       <a:lvl2pPr marR="0" lvl="1" algn="l" rtl="0">
@@ -7114,15 +7005,15 @@
         <a:buClr>
           <a:srgbClr val="000000"/>
         </a:buClr>
-        <a:buFont typeface="Arial"/>
+        <a:buFont typeface="Arial" panose="020B0604020202020204"/>
         <a:defRPr sz="1400" b="0" i="0" u="none" strike="noStrike" cap="none">
           <a:solidFill>
             <a:srgbClr val="000000"/>
           </a:solidFill>
-          <a:latin typeface="Arial"/>
-          <a:ea typeface="Arial"/>
-          <a:cs typeface="Arial"/>
-          <a:sym typeface="Arial"/>
+          <a:latin typeface="Arial" panose="020B0604020202020204"/>
+          <a:ea typeface="Arial" panose="020B0604020202020204"/>
+          <a:cs typeface="Arial" panose="020B0604020202020204"/>
+          <a:sym typeface="Arial" panose="020B0604020202020204"/>
         </a:defRPr>
       </a:lvl2pPr>
       <a:lvl3pPr marR="0" lvl="2" algn="l" rtl="0">
@@ -7138,15 +7029,15 @@
         <a:buClr>
           <a:srgbClr val="000000"/>
         </a:buClr>
-        <a:buFont typeface="Arial"/>
+        <a:buFont typeface="Arial" panose="020B0604020202020204"/>
         <a:defRPr sz="1400" b="0" i="0" u="none" strike="noStrike" cap="none">
           <a:solidFill>
             <a:srgbClr val="000000"/>
           </a:solidFill>
-          <a:latin typeface="Arial"/>
-          <a:ea typeface="Arial"/>
-          <a:cs typeface="Arial"/>
-          <a:sym typeface="Arial"/>
+          <a:latin typeface="Arial" panose="020B0604020202020204"/>
+          <a:ea typeface="Arial" panose="020B0604020202020204"/>
+          <a:cs typeface="Arial" panose="020B0604020202020204"/>
+          <a:sym typeface="Arial" panose="020B0604020202020204"/>
         </a:defRPr>
       </a:lvl3pPr>
       <a:lvl4pPr marR="0" lvl="3" algn="l" rtl="0">
@@ -7162,15 +7053,15 @@
         <a:buClr>
           <a:srgbClr val="000000"/>
         </a:buClr>
-        <a:buFont typeface="Arial"/>
+        <a:buFont typeface="Arial" panose="020B0604020202020204"/>
         <a:defRPr sz="1400" b="0" i="0" u="none" strike="noStrike" cap="none">
           <a:solidFill>
             <a:srgbClr val="000000"/>
           </a:solidFill>
-          <a:latin typeface="Arial"/>
-          <a:ea typeface="Arial"/>
-          <a:cs typeface="Arial"/>
-          <a:sym typeface="Arial"/>
+          <a:latin typeface="Arial" panose="020B0604020202020204"/>
+          <a:ea typeface="Arial" panose="020B0604020202020204"/>
+          <a:cs typeface="Arial" panose="020B0604020202020204"/>
+          <a:sym typeface="Arial" panose="020B0604020202020204"/>
         </a:defRPr>
       </a:lvl4pPr>
       <a:lvl5pPr marR="0" lvl="4" algn="l" rtl="0">
@@ -7186,15 +7077,15 @@
         <a:buClr>
           <a:srgbClr val="000000"/>
         </a:buClr>
-        <a:buFont typeface="Arial"/>
+        <a:buFont typeface="Arial" panose="020B0604020202020204"/>
         <a:defRPr sz="1400" b="0" i="0" u="none" strike="noStrike" cap="none">
           <a:solidFill>
             <a:srgbClr val="000000"/>
           </a:solidFill>
-          <a:latin typeface="Arial"/>
-          <a:ea typeface="Arial"/>
-          <a:cs typeface="Arial"/>
-          <a:sym typeface="Arial"/>
+          <a:latin typeface="Arial" panose="020B0604020202020204"/>
+          <a:ea typeface="Arial" panose="020B0604020202020204"/>
+          <a:cs typeface="Arial" panose="020B0604020202020204"/>
+          <a:sym typeface="Arial" panose="020B0604020202020204"/>
         </a:defRPr>
       </a:lvl5pPr>
       <a:lvl6pPr marR="0" lvl="5" algn="l" rtl="0">
@@ -7210,15 +7101,15 @@
         <a:buClr>
           <a:srgbClr val="000000"/>
         </a:buClr>
-        <a:buFont typeface="Arial"/>
+        <a:buFont typeface="Arial" panose="020B0604020202020204"/>
         <a:defRPr sz="1400" b="0" i="0" u="none" strike="noStrike" cap="none">
           <a:solidFill>
             <a:srgbClr val="000000"/>
           </a:solidFill>
-          <a:latin typeface="Arial"/>
-          <a:ea typeface="Arial"/>
-          <a:cs typeface="Arial"/>
-          <a:sym typeface="Arial"/>
+          <a:latin typeface="Arial" panose="020B0604020202020204"/>
+          <a:ea typeface="Arial" panose="020B0604020202020204"/>
+          <a:cs typeface="Arial" panose="020B0604020202020204"/>
+          <a:sym typeface="Arial" panose="020B0604020202020204"/>
         </a:defRPr>
       </a:lvl6pPr>
       <a:lvl7pPr marR="0" lvl="6" algn="l" rtl="0">
@@ -7234,15 +7125,15 @@
         <a:buClr>
           <a:srgbClr val="000000"/>
         </a:buClr>
-        <a:buFont typeface="Arial"/>
+        <a:buFont typeface="Arial" panose="020B0604020202020204"/>
         <a:defRPr sz="1400" b="0" i="0" u="none" strike="noStrike" cap="none">
           <a:solidFill>
             <a:srgbClr val="000000"/>
           </a:solidFill>
-          <a:latin typeface="Arial"/>
-          <a:ea typeface="Arial"/>
-          <a:cs typeface="Arial"/>
-          <a:sym typeface="Arial"/>
+          <a:latin typeface="Arial" panose="020B0604020202020204"/>
+          <a:ea typeface="Arial" panose="020B0604020202020204"/>
+          <a:cs typeface="Arial" panose="020B0604020202020204"/>
+          <a:sym typeface="Arial" panose="020B0604020202020204"/>
         </a:defRPr>
       </a:lvl7pPr>
       <a:lvl8pPr marR="0" lvl="7" algn="l" rtl="0">
@@ -7258,15 +7149,15 @@
         <a:buClr>
           <a:srgbClr val="000000"/>
         </a:buClr>
-        <a:buFont typeface="Arial"/>
+        <a:buFont typeface="Arial" panose="020B0604020202020204"/>
         <a:defRPr sz="1400" b="0" i="0" u="none" strike="noStrike" cap="none">
           <a:solidFill>
             <a:srgbClr val="000000"/>
           </a:solidFill>
-          <a:latin typeface="Arial"/>
-          <a:ea typeface="Arial"/>
-          <a:cs typeface="Arial"/>
-          <a:sym typeface="Arial"/>
+          <a:latin typeface="Arial" panose="020B0604020202020204"/>
+          <a:ea typeface="Arial" panose="020B0604020202020204"/>
+          <a:cs typeface="Arial" panose="020B0604020202020204"/>
+          <a:sym typeface="Arial" panose="020B0604020202020204"/>
         </a:defRPr>
       </a:lvl8pPr>
       <a:lvl9pPr marR="0" lvl="8" algn="l" rtl="0">
@@ -7282,15 +7173,15 @@
         <a:buClr>
           <a:srgbClr val="000000"/>
         </a:buClr>
-        <a:buFont typeface="Arial"/>
+        <a:buFont typeface="Arial" panose="020B0604020202020204"/>
         <a:defRPr sz="1400" b="0" i="0" u="none" strike="noStrike" cap="none">
           <a:solidFill>
             <a:srgbClr val="000000"/>
           </a:solidFill>
-          <a:latin typeface="Arial"/>
-          <a:ea typeface="Arial"/>
-          <a:cs typeface="Arial"/>
-          <a:sym typeface="Arial"/>
+          <a:latin typeface="Arial" panose="020B0604020202020204"/>
+          <a:ea typeface="Arial" panose="020B0604020202020204"/>
+          <a:cs typeface="Arial" panose="020B0604020202020204"/>
+          <a:sym typeface="Arial" panose="020B0604020202020204"/>
         </a:defRPr>
       </a:lvl9pPr>
     </p:bodyStyle>
@@ -7319,15 +7210,15 @@
         <a:buClr>
           <a:srgbClr val="000000"/>
         </a:buClr>
-        <a:buFont typeface="Arial"/>
+        <a:buFont typeface="Arial" panose="020B0604020202020204"/>
         <a:defRPr sz="1400" b="0" i="0" u="none" strike="noStrike" cap="none">
           <a:solidFill>
             <a:srgbClr val="000000"/>
           </a:solidFill>
-          <a:latin typeface="Arial"/>
-          <a:ea typeface="Arial"/>
-          <a:cs typeface="Arial"/>
-          <a:sym typeface="Arial"/>
+          <a:latin typeface="Arial" panose="020B0604020202020204"/>
+          <a:ea typeface="Arial" panose="020B0604020202020204"/>
+          <a:cs typeface="Arial" panose="020B0604020202020204"/>
+          <a:sym typeface="Arial" panose="020B0604020202020204"/>
         </a:defRPr>
       </a:lvl1pPr>
       <a:lvl2pPr marR="0" lvl="1" algn="l" rtl="0">
@@ -7343,15 +7234,15 @@
         <a:buClr>
           <a:srgbClr val="000000"/>
         </a:buClr>
-        <a:buFont typeface="Arial"/>
+        <a:buFont typeface="Arial" panose="020B0604020202020204"/>
         <a:defRPr sz="1400" b="0" i="0" u="none" strike="noStrike" cap="none">
           <a:solidFill>
             <a:srgbClr val="000000"/>
           </a:solidFill>
-          <a:latin typeface="Arial"/>
-          <a:ea typeface="Arial"/>
-          <a:cs typeface="Arial"/>
-          <a:sym typeface="Arial"/>
+          <a:latin typeface="Arial" panose="020B0604020202020204"/>
+          <a:ea typeface="Arial" panose="020B0604020202020204"/>
+          <a:cs typeface="Arial" panose="020B0604020202020204"/>
+          <a:sym typeface="Arial" panose="020B0604020202020204"/>
         </a:defRPr>
       </a:lvl2pPr>
       <a:lvl3pPr marR="0" lvl="2" algn="l" rtl="0">
@@ -7367,15 +7258,15 @@
         <a:buClr>
           <a:srgbClr val="000000"/>
         </a:buClr>
-        <a:buFont typeface="Arial"/>
+        <a:buFont typeface="Arial" panose="020B0604020202020204"/>
         <a:defRPr sz="1400" b="0" i="0" u="none" strike="noStrike" cap="none">
           <a:solidFill>
             <a:srgbClr val="000000"/>
           </a:solidFill>
-          <a:latin typeface="Arial"/>
-          <a:ea typeface="Arial"/>
-          <a:cs typeface="Arial"/>
-          <a:sym typeface="Arial"/>
+          <a:latin typeface="Arial" panose="020B0604020202020204"/>
+          <a:ea typeface="Arial" panose="020B0604020202020204"/>
+          <a:cs typeface="Arial" panose="020B0604020202020204"/>
+          <a:sym typeface="Arial" panose="020B0604020202020204"/>
         </a:defRPr>
       </a:lvl3pPr>
       <a:lvl4pPr marR="0" lvl="3" algn="l" rtl="0">
@@ -7391,15 +7282,15 @@
         <a:buClr>
           <a:srgbClr val="000000"/>
         </a:buClr>
-        <a:buFont typeface="Arial"/>
+        <a:buFont typeface="Arial" panose="020B0604020202020204"/>
         <a:defRPr sz="1400" b="0" i="0" u="none" strike="noStrike" cap="none">
           <a:solidFill>
             <a:srgbClr val="000000"/>
           </a:solidFill>
-          <a:latin typeface="Arial"/>
-          <a:ea typeface="Arial"/>
-          <a:cs typeface="Arial"/>
-          <a:sym typeface="Arial"/>
+          <a:latin typeface="Arial" panose="020B0604020202020204"/>
+          <a:ea typeface="Arial" panose="020B0604020202020204"/>
+          <a:cs typeface="Arial" panose="020B0604020202020204"/>
+          <a:sym typeface="Arial" panose="020B0604020202020204"/>
         </a:defRPr>
       </a:lvl4pPr>
       <a:lvl5pPr marR="0" lvl="4" algn="l" rtl="0">
@@ -7415,15 +7306,15 @@
         <a:buClr>
           <a:srgbClr val="000000"/>
         </a:buClr>
-        <a:buFont typeface="Arial"/>
+        <a:buFont typeface="Arial" panose="020B0604020202020204"/>
         <a:defRPr sz="1400" b="0" i="0" u="none" strike="noStrike" cap="none">
           <a:solidFill>
             <a:srgbClr val="000000"/>
           </a:solidFill>
-          <a:latin typeface="Arial"/>
-          <a:ea typeface="Arial"/>
-          <a:cs typeface="Arial"/>
-          <a:sym typeface="Arial"/>
+          <a:latin typeface="Arial" panose="020B0604020202020204"/>
+          <a:ea typeface="Arial" panose="020B0604020202020204"/>
+          <a:cs typeface="Arial" panose="020B0604020202020204"/>
+          <a:sym typeface="Arial" panose="020B0604020202020204"/>
         </a:defRPr>
       </a:lvl5pPr>
       <a:lvl6pPr marR="0" lvl="5" algn="l" rtl="0">
@@ -7439,15 +7330,15 @@
         <a:buClr>
           <a:srgbClr val="000000"/>
         </a:buClr>
-        <a:buFont typeface="Arial"/>
+        <a:buFont typeface="Arial" panose="020B0604020202020204"/>
         <a:defRPr sz="1400" b="0" i="0" u="none" strike="noStrike" cap="none">
           <a:solidFill>
             <a:srgbClr val="000000"/>
           </a:solidFill>
-          <a:latin typeface="Arial"/>
-          <a:ea typeface="Arial"/>
-          <a:cs typeface="Arial"/>
-          <a:sym typeface="Arial"/>
+          <a:latin typeface="Arial" panose="020B0604020202020204"/>
+          <a:ea typeface="Arial" panose="020B0604020202020204"/>
+          <a:cs typeface="Arial" panose="020B0604020202020204"/>
+          <a:sym typeface="Arial" panose="020B0604020202020204"/>
         </a:defRPr>
       </a:lvl6pPr>
       <a:lvl7pPr marR="0" lvl="6" algn="l" rtl="0">
@@ -7463,15 +7354,15 @@
         <a:buClr>
           <a:srgbClr val="000000"/>
         </a:buClr>
-        <a:buFont typeface="Arial"/>
+        <a:buFont typeface="Arial" panose="020B0604020202020204"/>
         <a:defRPr sz="1400" b="0" i="0" u="none" strike="noStrike" cap="none">
           <a:solidFill>
             <a:srgbClr val="000000"/>
           </a:solidFill>
-          <a:latin typeface="Arial"/>
-          <a:ea typeface="Arial"/>
-          <a:cs typeface="Arial"/>
-          <a:sym typeface="Arial"/>
+          <a:latin typeface="Arial" panose="020B0604020202020204"/>
+          <a:ea typeface="Arial" panose="020B0604020202020204"/>
+          <a:cs typeface="Arial" panose="020B0604020202020204"/>
+          <a:sym typeface="Arial" panose="020B0604020202020204"/>
         </a:defRPr>
       </a:lvl7pPr>
       <a:lvl8pPr marR="0" lvl="7" algn="l" rtl="0">
@@ -7487,15 +7378,15 @@
         <a:buClr>
           <a:srgbClr val="000000"/>
         </a:buClr>
-        <a:buFont typeface="Arial"/>
+        <a:buFont typeface="Arial" panose="020B0604020202020204"/>
         <a:defRPr sz="1400" b="0" i="0" u="none" strike="noStrike" cap="none">
           <a:solidFill>
             <a:srgbClr val="000000"/>
           </a:solidFill>
-          <a:latin typeface="Arial"/>
-          <a:ea typeface="Arial"/>
-          <a:cs typeface="Arial"/>
-          <a:sym typeface="Arial"/>
+          <a:latin typeface="Arial" panose="020B0604020202020204"/>
+          <a:ea typeface="Arial" panose="020B0604020202020204"/>
+          <a:cs typeface="Arial" panose="020B0604020202020204"/>
+          <a:sym typeface="Arial" panose="020B0604020202020204"/>
         </a:defRPr>
       </a:lvl8pPr>
       <a:lvl9pPr marR="0" lvl="8" algn="l" rtl="0">
@@ -7511,15 +7402,15 @@
         <a:buClr>
           <a:srgbClr val="000000"/>
         </a:buClr>
-        <a:buFont typeface="Arial"/>
+        <a:buFont typeface="Arial" panose="020B0604020202020204"/>
         <a:defRPr sz="1400" b="0" i="0" u="none" strike="noStrike" cap="none">
           <a:solidFill>
             <a:srgbClr val="000000"/>
           </a:solidFill>
-          <a:latin typeface="Arial"/>
-          <a:ea typeface="Arial"/>
-          <a:cs typeface="Arial"/>
-          <a:sym typeface="Arial"/>
+          <a:latin typeface="Arial" panose="020B0604020202020204"/>
+          <a:ea typeface="Arial" panose="020B0604020202020204"/>
+          <a:cs typeface="Arial" panose="020B0604020202020204"/>
+          <a:sym typeface="Arial" panose="020B0604020202020204"/>
         </a:defRPr>
       </a:lvl9pPr>
     </p:otherStyle>
@@ -7574,7 +7465,7 @@
           <a:p>
             <a:pPr marL="0" marR="504190" lvl="0" indent="0" algn="ctr" rtl="0">
               <a:lnSpc>
-                <a:spcPct val="107916"/>
+                <a:spcPct val="108000"/>
               </a:lnSpc>
               <a:spcBef>
                 <a:spcPts val="0"/>
@@ -7585,7 +7476,7 @@
               <a:buNone/>
             </a:pPr>
             <a:r>
-              <a:rPr lang="en" sz="3200" b="1"/>
+              <a:rPr lang="en-GB" sz="3200" b="1"/>
               <a:t>Revolutionary AI-powered Analytics for Uncovering Optimal Business Locations</a:t>
             </a:r>
             <a:endParaRPr sz="3200"/>
@@ -7627,10 +7518,10 @@
               <a:buNone/>
             </a:pPr>
             <a:r>
-              <a:rPr lang="en"/>
+              <a:rPr lang="en-GB"/>
               <a:t>Final Presentation</a:t>
             </a:r>
-            <a:endParaRPr/>
+            <a:endParaRPr lang="en-GB"/>
           </a:p>
         </p:txBody>
       </p:sp>
@@ -7643,6 +7534,328 @@
 </file>
 
 <file path=ppt/slides/slide10.xml><?xml version="1.0" encoding="utf-8"?>
+<p:sld xmlns:a="http://schemas.openxmlformats.org/drawingml/2006/main" xmlns:r="http://schemas.openxmlformats.org/officeDocument/2006/relationships" xmlns:p="http://schemas.openxmlformats.org/presentationml/2006/main">
+  <p:cSld>
+    <p:spTree>
+      <p:nvGrpSpPr>
+        <p:cNvPr id="1" name=""/>
+        <p:cNvGrpSpPr/>
+        <p:nvPr/>
+      </p:nvGrpSpPr>
+      <p:grpSpPr/>
+      <p:sp>
+        <p:nvSpPr>
+          <p:cNvPr id="2" name="Title 1"/>
+          <p:cNvSpPr>
+            <a:spLocks noGrp="1"/>
+          </p:cNvSpPr>
+          <p:nvPr>
+            <p:ph type="title"/>
+          </p:nvPr>
+        </p:nvSpPr>
+        <p:spPr/>
+        <p:txBody>
+          <a:bodyPr/>
+          <a:p>
+            <a:endParaRPr lang="en-US"/>
+          </a:p>
+        </p:txBody>
+      </p:sp>
+      <p:sp>
+        <p:nvSpPr>
+          <p:cNvPr id="3" name="Text Placeholder 2"/>
+          <p:cNvSpPr>
+            <a:spLocks noGrp="1"/>
+          </p:cNvSpPr>
+          <p:nvPr>
+            <p:ph type="body" idx="1"/>
+          </p:nvPr>
+        </p:nvSpPr>
+        <p:spPr/>
+        <p:txBody>
+          <a:bodyPr>
+            <a:normAutofit lnSpcReduction="10000"/>
+          </a:bodyPr>
+          <a:p>
+            <a:r>
+              <a:rPr lang="en-US"/>
+              <a:t>Cluster 4: Industrial Zones</a:t>
+            </a:r>
+            <a:endParaRPr lang="en-US"/>
+          </a:p>
+          <a:p>
+            <a:pPr marL="114300" indent="0">
+              <a:buNone/>
+            </a:pPr>
+            <a:r>
+              <a:rPr lang="en-US"/>
+              <a:t>Neighborhoods in this cluster are characterized by industrial and manufacturing activities, with a concentration of factories, warehouses, and industrial facilities. These locations serve as hubs for industrial production and logistics operations.</a:t>
+            </a:r>
+            <a:endParaRPr lang="en-US"/>
+          </a:p>
+          <a:p>
+            <a:r>
+              <a:rPr lang="en-US"/>
+              <a:t>Cluster 5: Tourist Destinations</a:t>
+            </a:r>
+            <a:endParaRPr lang="en-US"/>
+          </a:p>
+          <a:p>
+            <a:endParaRPr lang="en-US"/>
+          </a:p>
+          <a:p>
+            <a:pPr marL="114300" indent="0">
+              <a:buNone/>
+            </a:pPr>
+            <a:r>
+              <a:rPr lang="en-US"/>
+              <a:t>This cluster includes neighborhoods with high tourist activity, such as popular vacation destinations, resort towns, and tourist attractions. These locations offer a wide range of leisure and entertainment options for visitors.</a:t>
+            </a:r>
+            <a:endParaRPr lang="en-US"/>
+          </a:p>
+        </p:txBody>
+      </p:sp>
+    </p:spTree>
+  </p:cSld>
+  <p:clrMapOvr>
+    <a:masterClrMapping/>
+  </p:clrMapOvr>
+</p:sld>
+</file>
+
+<file path=ppt/slides/slide11.xml><?xml version="1.0" encoding="utf-8"?>
+<p:sld xmlns:a="http://schemas.openxmlformats.org/drawingml/2006/main" xmlns:r="http://schemas.openxmlformats.org/officeDocument/2006/relationships" xmlns:p="http://schemas.openxmlformats.org/presentationml/2006/main">
+  <p:cSld>
+    <p:spTree>
+      <p:nvGrpSpPr>
+        <p:cNvPr id="1" name="Shape 104"/>
+        <p:cNvGrpSpPr/>
+        <p:nvPr/>
+      </p:nvGrpSpPr>
+      <p:grpSpPr>
+        <a:xfrm>
+          <a:off x="0" y="0"/>
+          <a:ext cx="0" cy="0"/>
+          <a:chOff x="0" y="0"/>
+          <a:chExt cx="0" cy="0"/>
+        </a:xfrm>
+      </p:grpSpPr>
+      <p:sp>
+        <p:nvSpPr>
+          <p:cNvPr id="105" name="Google Shape;105;p20"/>
+          <p:cNvSpPr txBox="1">
+            <a:spLocks noGrp="1"/>
+          </p:cNvSpPr>
+          <p:nvPr>
+            <p:ph type="title"/>
+          </p:nvPr>
+        </p:nvSpPr>
+        <p:spPr>
+          <a:xfrm>
+            <a:off x="387900" y="458025"/>
+            <a:ext cx="8368200" cy="686100"/>
+          </a:xfrm>
+          <a:prstGeom prst="rect">
+            <a:avLst/>
+          </a:prstGeom>
+        </p:spPr>
+        <p:txBody>
+          <a:bodyPr spcFirstLastPara="1" wrap="square" lIns="91425" tIns="91425" rIns="91425" bIns="91425" anchor="b" anchorCtr="0">
+            <a:normAutofit/>
+          </a:bodyPr>
+          <a:lstStyle/>
+          <a:p>
+            <a:pPr marL="0" lvl="0" indent="0" algn="l" rtl="0">
+              <a:spcBef>
+                <a:spcPts val="0"/>
+              </a:spcBef>
+              <a:spcAft>
+                <a:spcPts val="0"/>
+              </a:spcAft>
+              <a:buNone/>
+            </a:pPr>
+            <a:r>
+              <a:rPr lang="en-GB" sz="2800">
+                <a:latin typeface="Merriweather" panose="00000500000000000000"/>
+                <a:ea typeface="Merriweather" panose="00000500000000000000"/>
+                <a:cs typeface="Merriweather" panose="00000500000000000000"/>
+                <a:sym typeface="Merriweather" panose="00000500000000000000"/>
+              </a:rPr>
+              <a:t>Proposed Framework</a:t>
+            </a:r>
+            <a:endParaRPr lang="en-GB" sz="2800">
+              <a:latin typeface="Merriweather" panose="00000500000000000000"/>
+              <a:ea typeface="Merriweather" panose="00000500000000000000"/>
+              <a:cs typeface="Merriweather" panose="00000500000000000000"/>
+              <a:sym typeface="Merriweather" panose="00000500000000000000"/>
+            </a:endParaRPr>
+          </a:p>
+        </p:txBody>
+      </p:sp>
+      <p:pic>
+        <p:nvPicPr>
+          <p:cNvPr id="106" name="Google Shape;106;p20"/>
+          <p:cNvPicPr preferRelativeResize="0"/>
+          <p:nvPr/>
+        </p:nvPicPr>
+        <p:blipFill>
+          <a:blip r:embed="rId1"/>
+          <a:stretch>
+            <a:fillRect/>
+          </a:stretch>
+        </p:blipFill>
+        <p:spPr>
+          <a:xfrm>
+            <a:off x="3342450" y="1568225"/>
+            <a:ext cx="1828800" cy="3057525"/>
+          </a:xfrm>
+          <a:prstGeom prst="rect">
+            <a:avLst/>
+          </a:prstGeom>
+          <a:noFill/>
+          <a:ln>
+            <a:noFill/>
+          </a:ln>
+        </p:spPr>
+      </p:pic>
+    </p:spTree>
+  </p:cSld>
+  <p:clrMapOvr>
+    <a:masterClrMapping/>
+  </p:clrMapOvr>
+</p:sld>
+</file>
+
+<file path=ppt/slides/slide12.xml><?xml version="1.0" encoding="utf-8"?>
+<p:sld xmlns:a="http://schemas.openxmlformats.org/drawingml/2006/main" xmlns:r="http://schemas.openxmlformats.org/officeDocument/2006/relationships" xmlns:p="http://schemas.openxmlformats.org/presentationml/2006/main">
+  <p:cSld>
+    <p:spTree>
+      <p:nvGrpSpPr>
+        <p:cNvPr id="1" name="Shape 110"/>
+        <p:cNvGrpSpPr/>
+        <p:nvPr/>
+      </p:nvGrpSpPr>
+      <p:grpSpPr>
+        <a:xfrm>
+          <a:off x="0" y="0"/>
+          <a:ext cx="0" cy="0"/>
+          <a:chOff x="0" y="0"/>
+          <a:chExt cx="0" cy="0"/>
+        </a:xfrm>
+      </p:grpSpPr>
+      <p:sp>
+        <p:nvSpPr>
+          <p:cNvPr id="111" name="Google Shape;111;p21"/>
+          <p:cNvSpPr txBox="1">
+            <a:spLocks noGrp="1"/>
+          </p:cNvSpPr>
+          <p:nvPr>
+            <p:ph type="title"/>
+          </p:nvPr>
+        </p:nvSpPr>
+        <p:spPr>
+          <a:xfrm>
+            <a:off x="387900" y="458025"/>
+            <a:ext cx="8368200" cy="686100"/>
+          </a:xfrm>
+          <a:prstGeom prst="rect">
+            <a:avLst/>
+          </a:prstGeom>
+        </p:spPr>
+        <p:txBody>
+          <a:bodyPr spcFirstLastPara="1" wrap="square" lIns="91425" tIns="91425" rIns="91425" bIns="91425" anchor="b" anchorCtr="0">
+            <a:normAutofit/>
+          </a:bodyPr>
+          <a:lstStyle/>
+          <a:p>
+            <a:pPr marL="0" lvl="0" indent="0" algn="l" rtl="0">
+              <a:spcBef>
+                <a:spcPts val="0"/>
+              </a:spcBef>
+              <a:spcAft>
+                <a:spcPts val="0"/>
+              </a:spcAft>
+              <a:buNone/>
+            </a:pPr>
+            <a:r>
+              <a:rPr lang="en-GB" sz="2800">
+                <a:latin typeface="Merriweather" panose="00000500000000000000"/>
+                <a:ea typeface="Merriweather" panose="00000500000000000000"/>
+                <a:cs typeface="Merriweather" panose="00000500000000000000"/>
+                <a:sym typeface="Merriweather" panose="00000500000000000000"/>
+              </a:rPr>
+              <a:t>Results </a:t>
+            </a:r>
+            <a:endParaRPr lang="en-GB" sz="2800">
+              <a:latin typeface="Merriweather" panose="00000500000000000000"/>
+              <a:ea typeface="Merriweather" panose="00000500000000000000"/>
+              <a:cs typeface="Merriweather" panose="00000500000000000000"/>
+              <a:sym typeface="Merriweather" panose="00000500000000000000"/>
+            </a:endParaRPr>
+          </a:p>
+        </p:txBody>
+      </p:sp>
+      <p:pic>
+        <p:nvPicPr>
+          <p:cNvPr id="112" name="Google Shape;112;p21"/>
+          <p:cNvPicPr preferRelativeResize="0"/>
+          <p:nvPr/>
+        </p:nvPicPr>
+        <p:blipFill>
+          <a:blip r:embed="rId1"/>
+          <a:stretch>
+            <a:fillRect/>
+          </a:stretch>
+        </p:blipFill>
+        <p:spPr>
+          <a:xfrm>
+            <a:off x="797575" y="1756375"/>
+            <a:ext cx="3209925" cy="1514475"/>
+          </a:xfrm>
+          <a:prstGeom prst="rect">
+            <a:avLst/>
+          </a:prstGeom>
+          <a:noFill/>
+          <a:ln>
+            <a:noFill/>
+          </a:ln>
+        </p:spPr>
+      </p:pic>
+      <p:pic>
+        <p:nvPicPr>
+          <p:cNvPr id="113" name="Google Shape;113;p21"/>
+          <p:cNvPicPr preferRelativeResize="0"/>
+          <p:nvPr/>
+        </p:nvPicPr>
+        <p:blipFill>
+          <a:blip r:embed="rId2"/>
+          <a:stretch>
+            <a:fillRect/>
+          </a:stretch>
+        </p:blipFill>
+        <p:spPr>
+          <a:xfrm>
+            <a:off x="4572000" y="1680175"/>
+            <a:ext cx="3209925" cy="1666875"/>
+          </a:xfrm>
+          <a:prstGeom prst="rect">
+            <a:avLst/>
+          </a:prstGeom>
+          <a:noFill/>
+          <a:ln>
+            <a:noFill/>
+          </a:ln>
+        </p:spPr>
+      </p:pic>
+    </p:spTree>
+  </p:cSld>
+  <p:clrMapOvr>
+    <a:masterClrMapping/>
+  </p:clrMapOvr>
+</p:sld>
+</file>
+
+<file path=ppt/slides/slide13.xml><?xml version="1.0" encoding="utf-8"?>
 <p:sld xmlns:a="http://schemas.openxmlformats.org/drawingml/2006/main" xmlns:r="http://schemas.openxmlformats.org/officeDocument/2006/relationships" xmlns:p="http://schemas.openxmlformats.org/presentationml/2006/main">
   <p:cSld>
     <p:spTree>
@@ -7694,10 +7907,10 @@
               <a:buNone/>
             </a:pPr>
             <a:r>
-              <a:rPr lang="en"/>
+              <a:rPr lang="en-GB"/>
               <a:t>Results</a:t>
             </a:r>
-            <a:endParaRPr/>
+            <a:endParaRPr lang="en-GB"/>
           </a:p>
         </p:txBody>
       </p:sp>
@@ -7708,9 +7921,7 @@
           <p:nvPr/>
         </p:nvPicPr>
         <p:blipFill>
-          <a:blip r:embed="rId3">
-            <a:alphaModFix/>
-          </a:blip>
+          <a:blip r:embed="rId1"/>
           <a:stretch>
             <a:fillRect/>
           </a:stretch>
@@ -7736,9 +7947,7 @@
           <p:nvPr/>
         </p:nvPicPr>
         <p:blipFill>
-          <a:blip r:embed="rId4">
-            <a:alphaModFix/>
-          </a:blip>
+          <a:blip r:embed="rId2"/>
           <a:stretch>
             <a:fillRect/>
           </a:stretch>
@@ -7765,7 +7974,7 @@
 </p:sld>
 </file>
 
-<file path=ppt/slides/slide11.xml><?xml version="1.0" encoding="utf-8"?>
+<file path=ppt/slides/slide14.xml><?xml version="1.0" encoding="utf-8"?>
 <p:sld xmlns:a="http://schemas.openxmlformats.org/drawingml/2006/main" xmlns:r="http://schemas.openxmlformats.org/officeDocument/2006/relationships" xmlns:p="http://schemas.openxmlformats.org/presentationml/2006/main">
   <p:cSld>
     <p:spTree>
@@ -7817,10 +8026,10 @@
               <a:buNone/>
             </a:pPr>
             <a:r>
-              <a:rPr lang="en"/>
+              <a:rPr lang="en-GB"/>
               <a:t>Results</a:t>
             </a:r>
-            <a:endParaRPr/>
+            <a:endParaRPr lang="en-GB"/>
           </a:p>
         </p:txBody>
       </p:sp>
@@ -7831,11 +8040,11 @@
           <p:nvPr/>
         </p:nvPicPr>
         <p:blipFill rotWithShape="1">
-          <a:blip r:embed="rId3">
-            <a:alphaModFix/>
-          </a:blip>
+          <a:blip r:embed="rId1"/>
           <a:srcRect t="2296"/>
-          <a:stretch/>
+          <a:stretch>
+            <a:fillRect/>
+          </a:stretch>
         </p:blipFill>
         <p:spPr>
           <a:xfrm>
@@ -7858,9 +8067,7 @@
           <p:nvPr/>
         </p:nvPicPr>
         <p:blipFill>
-          <a:blip r:embed="rId4">
-            <a:alphaModFix/>
-          </a:blip>
+          <a:blip r:embed="rId2"/>
           <a:stretch>
             <a:fillRect/>
           </a:stretch>
@@ -7887,7 +8094,7 @@
 </p:sld>
 </file>
 
-<file path=ppt/slides/slide12.xml><?xml version="1.0" encoding="utf-8"?>
+<file path=ppt/slides/slide15.xml><?xml version="1.0" encoding="utf-8"?>
 <p:sld xmlns:a="http://schemas.openxmlformats.org/drawingml/2006/main" xmlns:r="http://schemas.openxmlformats.org/officeDocument/2006/relationships" xmlns:p="http://schemas.openxmlformats.org/presentationml/2006/main">
   <p:cSld>
     <p:spTree>
@@ -7939,15 +8146,20 @@
               <a:buNone/>
             </a:pPr>
             <a:r>
-              <a:rPr lang="en" sz="2800">
-                <a:latin typeface="Merriweather"/>
-                <a:ea typeface="Merriweather"/>
-                <a:cs typeface="Merriweather"/>
-                <a:sym typeface="Merriweather"/>
+              <a:rPr lang="en-GB" sz="2800">
+                <a:latin typeface="Merriweather" panose="00000500000000000000"/>
+                <a:ea typeface="Merriweather" panose="00000500000000000000"/>
+                <a:cs typeface="Merriweather" panose="00000500000000000000"/>
+                <a:sym typeface="Merriweather" panose="00000500000000000000"/>
               </a:rPr>
               <a:t>References</a:t>
             </a:r>
-            <a:endParaRPr/>
+            <a:endParaRPr lang="en-GB" sz="2800">
+              <a:latin typeface="Merriweather" panose="00000500000000000000"/>
+              <a:ea typeface="Merriweather" panose="00000500000000000000"/>
+              <a:cs typeface="Merriweather" panose="00000500000000000000"/>
+              <a:sym typeface="Merriweather" panose="00000500000000000000"/>
+            </a:endParaRPr>
           </a:p>
         </p:txBody>
       </p:sp>
@@ -7978,7 +8190,7 @@
           <a:p>
             <a:pPr marL="0" marR="70485" lvl="0" indent="0" algn="just" rtl="0">
               <a:lnSpc>
-                <a:spcPct val="104583"/>
+                <a:spcPct val="105000"/>
               </a:lnSpc>
               <a:spcBef>
                 <a:spcPts val="0"/>
@@ -7989,7 +8201,7 @@
               <a:buNone/>
             </a:pPr>
             <a:r>
-              <a:rPr lang="en" sz="1100" i="1">
+              <a:rPr lang="en-GB" sz="1100" i="1">
                 <a:latin typeface="Roboto Slab"/>
                 <a:ea typeface="Roboto Slab"/>
                 <a:cs typeface="Roboto Slab"/>
@@ -8007,7 +8219,7 @@
           <a:p>
             <a:pPr marL="0" marR="70485" lvl="0" indent="0" algn="just" rtl="0">
               <a:lnSpc>
-                <a:spcPct val="104583"/>
+                <a:spcPct val="105000"/>
               </a:lnSpc>
               <a:spcBef>
                 <a:spcPts val="1000"/>
@@ -8018,7 +8230,7 @@
               <a:buNone/>
             </a:pPr>
             <a:r>
-              <a:rPr lang="en" sz="1100" i="1">
+              <a:rPr lang="en-GB" sz="1100" i="1">
                 <a:latin typeface="Roboto Slab"/>
                 <a:ea typeface="Roboto Slab"/>
                 <a:cs typeface="Roboto Slab"/>
@@ -8036,7 +8248,7 @@
           <a:p>
             <a:pPr marL="0" marR="70485" lvl="0" indent="0" algn="just" rtl="0">
               <a:lnSpc>
-                <a:spcPct val="104583"/>
+                <a:spcPct val="105000"/>
               </a:lnSpc>
               <a:spcBef>
                 <a:spcPts val="1000"/>
@@ -8047,7 +8259,7 @@
               <a:buNone/>
             </a:pPr>
             <a:r>
-              <a:rPr lang="en" sz="1100" i="1">
+              <a:rPr lang="en-GB" sz="1100" i="1">
                 <a:latin typeface="Roboto Slab"/>
                 <a:ea typeface="Roboto Slab"/>
                 <a:cs typeface="Roboto Slab"/>
@@ -8065,7 +8277,7 @@
           <a:p>
             <a:pPr marL="0" marR="70485" lvl="0" indent="0" algn="just" rtl="0">
               <a:lnSpc>
-                <a:spcPct val="104583"/>
+                <a:spcPct val="105000"/>
               </a:lnSpc>
               <a:spcBef>
                 <a:spcPts val="1000"/>
@@ -8076,7 +8288,7 @@
               <a:buNone/>
             </a:pPr>
             <a:r>
-              <a:rPr lang="en" sz="1100" i="1">
+              <a:rPr lang="en-GB" sz="1100" i="1">
                 <a:latin typeface="Roboto Slab"/>
                 <a:ea typeface="Roboto Slab"/>
                 <a:cs typeface="Roboto Slab"/>
@@ -8094,7 +8306,7 @@
           <a:p>
             <a:pPr marL="0" marR="70485" lvl="0" indent="0" algn="just" rtl="0">
               <a:lnSpc>
-                <a:spcPct val="104583"/>
+                <a:spcPct val="105000"/>
               </a:lnSpc>
               <a:spcBef>
                 <a:spcPts val="1000"/>
@@ -8105,7 +8317,7 @@
               <a:buNone/>
             </a:pPr>
             <a:r>
-              <a:rPr lang="en" sz="1100" i="1">
+              <a:rPr lang="en-GB" sz="1100" i="1">
                 <a:latin typeface="Roboto Slab"/>
                 <a:ea typeface="Roboto Slab"/>
                 <a:cs typeface="Roboto Slab"/>
@@ -8123,7 +8335,7 @@
           <a:p>
             <a:pPr marL="0" marR="70485" lvl="0" indent="0" algn="just" rtl="0">
               <a:lnSpc>
-                <a:spcPct val="104583"/>
+                <a:spcPct val="105000"/>
               </a:lnSpc>
               <a:spcBef>
                 <a:spcPts val="1000"/>
@@ -8134,7 +8346,7 @@
               <a:buNone/>
             </a:pPr>
             <a:r>
-              <a:rPr lang="en" sz="1100" i="1">
+              <a:rPr lang="en-GB" sz="1100" i="1">
                 <a:latin typeface="Roboto Slab"/>
                 <a:ea typeface="Roboto Slab"/>
                 <a:cs typeface="Roboto Slab"/>
@@ -8176,7 +8388,7 @@
 </p:sld>
 </file>
 
-<file path=ppt/slides/slide13.xml><?xml version="1.0" encoding="utf-8"?>
+<file path=ppt/slides/slide16.xml><?xml version="1.0" encoding="utf-8"?>
 <p:sld xmlns:a="http://schemas.openxmlformats.org/drawingml/2006/main" xmlns:r="http://schemas.openxmlformats.org/officeDocument/2006/relationships" xmlns:p="http://schemas.openxmlformats.org/presentationml/2006/main">
   <p:cSld>
     <p:spTree>
@@ -8228,10 +8440,10 @@
               <a:buNone/>
             </a:pPr>
             <a:r>
-              <a:rPr lang="en"/>
+              <a:rPr lang="en-GB"/>
               <a:t>Thank You</a:t>
             </a:r>
-            <a:endParaRPr/>
+            <a:endParaRPr lang="en-GB"/>
           </a:p>
         </p:txBody>
       </p:sp>
@@ -8295,15 +8507,20 @@
               <a:buNone/>
             </a:pPr>
             <a:r>
-              <a:rPr lang="en" sz="2800">
-                <a:latin typeface="Merriweather"/>
-                <a:ea typeface="Merriweather"/>
-                <a:cs typeface="Merriweather"/>
-                <a:sym typeface="Merriweather"/>
+              <a:rPr lang="en-GB" sz="2800">
+                <a:latin typeface="Merriweather" panose="00000500000000000000"/>
+                <a:ea typeface="Merriweather" panose="00000500000000000000"/>
+                <a:cs typeface="Merriweather" panose="00000500000000000000"/>
+                <a:sym typeface="Merriweather" panose="00000500000000000000"/>
               </a:rPr>
               <a:t>Team Details</a:t>
             </a:r>
-            <a:endParaRPr/>
+            <a:endParaRPr lang="en-GB" sz="2800">
+              <a:latin typeface="Merriweather" panose="00000500000000000000"/>
+              <a:ea typeface="Merriweather" panose="00000500000000000000"/>
+              <a:cs typeface="Merriweather" panose="00000500000000000000"/>
+              <a:sym typeface="Merriweather" panose="00000500000000000000"/>
+            </a:endParaRPr>
           </a:p>
         </p:txBody>
       </p:sp>
@@ -8342,9 +8559,10 @@
               <a:buNone/>
             </a:pPr>
             <a:r>
-              <a:rPr lang="en" dirty="0"/>
+              <a:rPr lang="en-GB" dirty="0"/>
               <a:t>Dinesh Kyanam                     700754093</a:t>
             </a:r>
+            <a:endParaRPr lang="en-GB" dirty="0"/>
           </a:p>
           <a:p>
             <a:pPr marL="0" lvl="0" indent="0" algn="l" rtl="0">
@@ -8357,9 +8575,10 @@
               <a:buNone/>
             </a:pPr>
             <a:r>
-              <a:rPr lang="en" dirty="0"/>
+              <a:rPr lang="en-GB" dirty="0"/>
               <a:t>Saikumar Nunna                   700758976</a:t>
             </a:r>
+            <a:endParaRPr lang="en-GB" dirty="0"/>
           </a:p>
           <a:p>
             <a:pPr marL="0" lvl="0" indent="0" algn="l" rtl="0">
@@ -8372,9 +8591,10 @@
               <a:buNone/>
             </a:pPr>
             <a:r>
-              <a:rPr lang="en" dirty="0"/>
+              <a:rPr lang="en-GB" dirty="0"/>
               <a:t>Puppala Sandeep Kumar     700748337</a:t>
             </a:r>
+            <a:endParaRPr lang="en-GB" dirty="0"/>
           </a:p>
           <a:p>
             <a:pPr marL="0" lvl="0" indent="0" algn="l" rtl="0">
@@ -8387,7 +8607,7 @@
               <a:buNone/>
             </a:pPr>
             <a:r>
-              <a:rPr lang="en" dirty="0"/>
+              <a:rPr lang="en-GB" dirty="0"/>
               <a:t>Naveen Gorantla                   700748029</a:t>
             </a:r>
             <a:endParaRPr dirty="0"/>
@@ -8403,7 +8623,7 @@
               <a:buNone/>
             </a:pPr>
             <a:r>
-              <a:rPr lang="en" dirty="0"/>
+              <a:rPr lang="en-GB" dirty="0"/>
               <a:t>                   </a:t>
             </a:r>
             <a:endParaRPr dirty="0"/>
@@ -8470,15 +8690,20 @@
               <a:buNone/>
             </a:pPr>
             <a:r>
-              <a:rPr lang="en" sz="2800">
-                <a:latin typeface="Merriweather"/>
-                <a:ea typeface="Merriweather"/>
-                <a:cs typeface="Merriweather"/>
-                <a:sym typeface="Merriweather"/>
+              <a:rPr lang="en-GB" sz="2800">
+                <a:latin typeface="Merriweather" panose="00000500000000000000"/>
+                <a:ea typeface="Merriweather" panose="00000500000000000000"/>
+                <a:cs typeface="Merriweather" panose="00000500000000000000"/>
+                <a:sym typeface="Merriweather" panose="00000500000000000000"/>
               </a:rPr>
               <a:t>Role and Contribution in project</a:t>
             </a:r>
-            <a:endParaRPr/>
+            <a:endParaRPr lang="en-GB" sz="2800">
+              <a:latin typeface="Merriweather" panose="00000500000000000000"/>
+              <a:ea typeface="Merriweather" panose="00000500000000000000"/>
+              <a:cs typeface="Merriweather" panose="00000500000000000000"/>
+              <a:sym typeface="Merriweather" panose="00000500000000000000"/>
+            </a:endParaRPr>
           </a:p>
         </p:txBody>
       </p:sp>
@@ -8518,11 +8743,11 @@
                 <a:srgbClr val="000000"/>
               </a:buClr>
               <a:buSzPts val="1300"/>
-              <a:buFont typeface="Arial"/>
+              <a:buFont typeface="Arial" panose="020B0604020202020204"/>
               <a:buNone/>
             </a:pPr>
             <a:r>
-              <a:rPr lang="en" sz="1300" dirty="0"/>
+              <a:rPr lang="en-GB" sz="1300" dirty="0"/>
               <a:t>Dinesh Kyanam (Team Lead)</a:t>
             </a:r>
             <a:endParaRPr sz="1300" dirty="0"/>
@@ -8542,11 +8767,11 @@
                 <a:srgbClr val="000000"/>
               </a:buClr>
               <a:buSzPts val="1300"/>
-              <a:buFont typeface="Arial"/>
+              <a:buFont typeface="Arial" panose="020B0604020202020204"/>
               <a:buChar char="●"/>
             </a:pPr>
             <a:r>
-              <a:rPr lang="en" sz="1300" dirty="0"/>
+              <a:rPr lang="en-GB" sz="1300" dirty="0"/>
               <a:t>Coordinate team activities and ensure project milestones are met.</a:t>
             </a:r>
             <a:endParaRPr sz="1300" dirty="0"/>
@@ -8566,11 +8791,11 @@
                 <a:srgbClr val="000000"/>
               </a:buClr>
               <a:buSzPts val="1300"/>
-              <a:buFont typeface="Arial"/>
+              <a:buFont typeface="Arial" panose="020B0604020202020204"/>
               <a:buChar char="●"/>
             </a:pPr>
             <a:r>
-              <a:rPr lang="en" sz="1300" dirty="0"/>
+              <a:rPr lang="en-GB" sz="1300" dirty="0"/>
               <a:t>Communicate with team members and oversee project progress.</a:t>
             </a:r>
             <a:endParaRPr sz="1300" dirty="0"/>
@@ -8587,15 +8812,15 @@
                 <a:srgbClr val="000000"/>
               </a:buClr>
               <a:buSzPts val="1300"/>
-              <a:buFont typeface="Arial"/>
+              <a:buFont typeface="Arial" panose="020B0604020202020204"/>
               <a:buNone/>
             </a:pPr>
             <a:r>
-              <a:rPr lang="en" sz="1400" dirty="0"/>
+              <a:rPr lang="en-GB" sz="1400" dirty="0"/>
               <a:t>Saikumar Nunna</a:t>
             </a:r>
             <a:r>
-              <a:rPr lang="en" sz="1300" dirty="0"/>
+              <a:rPr lang="en-GB" sz="1300" dirty="0"/>
               <a:t>(Data Analyst)</a:t>
             </a:r>
             <a:endParaRPr sz="1300" dirty="0"/>
@@ -8615,11 +8840,11 @@
                 <a:srgbClr val="000000"/>
               </a:buClr>
               <a:buSzPts val="1300"/>
-              <a:buFont typeface="Arial"/>
+              <a:buFont typeface="Arial" panose="020B0604020202020204"/>
               <a:buChar char="●"/>
             </a:pPr>
             <a:r>
-              <a:rPr lang="en" sz="1300" dirty="0"/>
+              <a:rPr lang="en-GB" sz="1300" dirty="0"/>
               <a:t>Collect, preprocess, and analyze data.</a:t>
             </a:r>
             <a:endParaRPr sz="1300" dirty="0"/>
@@ -8639,11 +8864,11 @@
                 <a:srgbClr val="000000"/>
               </a:buClr>
               <a:buSzPts val="1300"/>
-              <a:buFont typeface="Arial"/>
+              <a:buFont typeface="Arial" panose="020B0604020202020204"/>
               <a:buChar char="●"/>
             </a:pPr>
             <a:r>
-              <a:rPr lang="en" sz="1300" dirty="0"/>
+              <a:rPr lang="en-GB" sz="1300" dirty="0"/>
               <a:t>Conduct exploratory data analysis (EDA) and generate insights.</a:t>
             </a:r>
             <a:endParaRPr sz="1300" dirty="0"/>
@@ -8660,11 +8885,11 @@
                 <a:srgbClr val="000000"/>
               </a:buClr>
               <a:buSzPts val="1300"/>
-              <a:buFont typeface="Arial"/>
+              <a:buFont typeface="Arial" panose="020B0604020202020204"/>
               <a:buNone/>
             </a:pPr>
             <a:r>
-              <a:rPr lang="en" sz="1300" dirty="0"/>
+              <a:rPr lang="en-GB" sz="1300" dirty="0"/>
               <a:t>Naveen Gorantla (Model Trainer)</a:t>
             </a:r>
             <a:endParaRPr sz="1300" dirty="0"/>
@@ -8684,11 +8909,11 @@
                 <a:srgbClr val="000000"/>
               </a:buClr>
               <a:buSzPts val="1300"/>
-              <a:buFont typeface="Arial"/>
+              <a:buFont typeface="Arial" panose="020B0604020202020204"/>
               <a:buChar char="●"/>
             </a:pPr>
             <a:r>
-              <a:rPr lang="en" sz="1300" dirty="0"/>
+              <a:rPr lang="en-GB" sz="1300" dirty="0"/>
               <a:t>Develop and implement machine learning models.</a:t>
             </a:r>
             <a:endParaRPr sz="1300" dirty="0"/>
@@ -8708,11 +8933,11 @@
                 <a:srgbClr val="000000"/>
               </a:buClr>
               <a:buSzPts val="1300"/>
-              <a:buFont typeface="Arial"/>
+              <a:buFont typeface="Arial" panose="020B0604020202020204"/>
               <a:buChar char="●"/>
             </a:pPr>
             <a:r>
-              <a:rPr lang="en" sz="1300" dirty="0"/>
+              <a:rPr lang="en-GB" sz="1300" dirty="0"/>
               <a:t>Optimize model performance and interpret results.</a:t>
             </a:r>
             <a:endParaRPr sz="1300" dirty="0"/>
@@ -8729,11 +8954,11 @@
                 <a:srgbClr val="000000"/>
               </a:buClr>
               <a:buSzPts val="1300"/>
-              <a:buFont typeface="Arial"/>
+              <a:buFont typeface="Arial" panose="020B0604020202020204"/>
               <a:buNone/>
             </a:pPr>
             <a:r>
-              <a:rPr lang="en" sz="1300" dirty="0"/>
+              <a:rPr lang="en-GB" sz="1300" dirty="0"/>
               <a:t>Puppala Sandeep Kumar : ( Researcher)</a:t>
             </a:r>
             <a:endParaRPr sz="1300" dirty="0"/>
@@ -8753,11 +8978,11 @@
                 <a:srgbClr val="000000"/>
               </a:buClr>
               <a:buSzPts val="1300"/>
-              <a:buFont typeface="Arial"/>
+              <a:buFont typeface="Arial" panose="020B0604020202020204"/>
               <a:buChar char="●"/>
             </a:pPr>
             <a:r>
-              <a:rPr lang="en" sz="1300" dirty="0"/>
+              <a:rPr lang="en-GB" sz="1300" dirty="0"/>
               <a:t>Conduct literature reviews and document project progress.</a:t>
             </a:r>
             <a:endParaRPr sz="1300" dirty="0"/>
@@ -8777,11 +9002,11 @@
                 <a:srgbClr val="000000"/>
               </a:buClr>
               <a:buSzPts val="1300"/>
-              <a:buFont typeface="Arial"/>
+              <a:buFont typeface="Arial" panose="020B0604020202020204"/>
               <a:buChar char="●"/>
             </a:pPr>
             <a:r>
-              <a:rPr lang="en" sz="1300" dirty="0"/>
+              <a:rPr lang="en-GB" sz="1300" dirty="0"/>
               <a:t>Prepare reports and presentations.</a:t>
             </a:r>
             <a:endParaRPr sz="1300" dirty="0"/>
@@ -8848,15 +9073,20 @@
               <a:buNone/>
             </a:pPr>
             <a:r>
-              <a:rPr lang="en" sz="2800">
-                <a:latin typeface="Merriweather"/>
-                <a:ea typeface="Merriweather"/>
-                <a:cs typeface="Merriweather"/>
-                <a:sym typeface="Merriweather"/>
+              <a:rPr lang="en-GB" sz="2800">
+                <a:latin typeface="Merriweather" panose="00000500000000000000"/>
+                <a:ea typeface="Merriweather" panose="00000500000000000000"/>
+                <a:cs typeface="Merriweather" panose="00000500000000000000"/>
+                <a:sym typeface="Merriweather" panose="00000500000000000000"/>
               </a:rPr>
               <a:t>Motivation</a:t>
             </a:r>
-            <a:endParaRPr/>
+            <a:endParaRPr lang="en-GB" sz="2800">
+              <a:latin typeface="Merriweather" panose="00000500000000000000"/>
+              <a:ea typeface="Merriweather" panose="00000500000000000000"/>
+              <a:cs typeface="Merriweather" panose="00000500000000000000"/>
+              <a:sym typeface="Merriweather" panose="00000500000000000000"/>
+            </a:endParaRPr>
           </a:p>
         </p:txBody>
       </p:sp>
@@ -8899,7 +9129,7 @@
               <a:buNone/>
             </a:pPr>
             <a:r>
-              <a:rPr lang="en" sz="1565"/>
+              <a:rPr lang="en-GB" sz="1565"/>
               <a:t>The motivation for this project stems from the increasing importance of data-driven decision-making in today's competitive business landscape. By leveraging advanced analytics techniques and machine learning algorithms, businesses can gain valuable insights into optimal location selection strategies. Identifying the right business location is crucial for maximizing market potential, attracting customers, and optimizing operational efficiency. Furthermore, the availability of rich datasets, such as those obtained from sources like Kaggle, presents a unique opportunity to harness the power of AI and analytics for location selection. This project aims to empower businesses with the tools and methodologies needed to make informed decisions about where to establish their presence, ultimately leading to improved performance, increased profitability, and sustainable growth.</a:t>
             </a:r>
             <a:endParaRPr sz="1565"/>
@@ -8915,6 +9145,401 @@
 </file>
 
 <file path=ppt/slides/slide5.xml><?xml version="1.0" encoding="utf-8"?>
+<p:sld xmlns:a="http://schemas.openxmlformats.org/drawingml/2006/main" xmlns:r="http://schemas.openxmlformats.org/officeDocument/2006/relationships" xmlns:p="http://schemas.openxmlformats.org/presentationml/2006/main">
+  <p:cSld>
+    <p:spTree>
+      <p:nvGrpSpPr>
+        <p:cNvPr id="1" name="Shape 92"/>
+        <p:cNvGrpSpPr/>
+        <p:nvPr/>
+      </p:nvGrpSpPr>
+      <p:grpSpPr>
+        <a:xfrm>
+          <a:off x="0" y="0"/>
+          <a:ext cx="0" cy="0"/>
+          <a:chOff x="0" y="0"/>
+          <a:chExt cx="0" cy="0"/>
+        </a:xfrm>
+      </p:grpSpPr>
+      <p:sp>
+        <p:nvSpPr>
+          <p:cNvPr id="93" name="Google Shape;93;p18"/>
+          <p:cNvSpPr txBox="1">
+            <a:spLocks noGrp="1"/>
+          </p:cNvSpPr>
+          <p:nvPr>
+            <p:ph type="title"/>
+          </p:nvPr>
+        </p:nvSpPr>
+        <p:spPr>
+          <a:xfrm>
+            <a:off x="387900" y="458025"/>
+            <a:ext cx="8368200" cy="686100"/>
+          </a:xfrm>
+          <a:prstGeom prst="rect">
+            <a:avLst/>
+          </a:prstGeom>
+        </p:spPr>
+        <p:txBody>
+          <a:bodyPr spcFirstLastPara="1" wrap="square" lIns="91425" tIns="91425" rIns="91425" bIns="91425" anchor="b" anchorCtr="0">
+            <a:normAutofit/>
+          </a:bodyPr>
+          <a:lstStyle/>
+          <a:p>
+            <a:pPr marL="0" lvl="0" indent="0" algn="l" rtl="0">
+              <a:spcBef>
+                <a:spcPts val="0"/>
+              </a:spcBef>
+              <a:spcAft>
+                <a:spcPts val="0"/>
+              </a:spcAft>
+              <a:buNone/>
+            </a:pPr>
+            <a:r>
+              <a:rPr lang="en-GB" sz="2800">
+                <a:latin typeface="Merriweather" panose="00000500000000000000"/>
+                <a:ea typeface="Merriweather" panose="00000500000000000000"/>
+                <a:cs typeface="Merriweather" panose="00000500000000000000"/>
+                <a:sym typeface="Merriweather" panose="00000500000000000000"/>
+              </a:rPr>
+              <a:t>Related work</a:t>
+            </a:r>
+            <a:endParaRPr lang="en-GB" sz="2800">
+              <a:latin typeface="Merriweather" panose="00000500000000000000"/>
+              <a:ea typeface="Merriweather" panose="00000500000000000000"/>
+              <a:cs typeface="Merriweather" panose="00000500000000000000"/>
+              <a:sym typeface="Merriweather" panose="00000500000000000000"/>
+            </a:endParaRPr>
+          </a:p>
+        </p:txBody>
+      </p:sp>
+      <p:sp>
+        <p:nvSpPr>
+          <p:cNvPr id="94" name="Google Shape;94;p18"/>
+          <p:cNvSpPr txBox="1">
+            <a:spLocks noGrp="1"/>
+          </p:cNvSpPr>
+          <p:nvPr>
+            <p:ph type="body" idx="1"/>
+          </p:nvPr>
+        </p:nvSpPr>
+        <p:spPr>
+          <a:xfrm>
+            <a:off x="387900" y="1489824"/>
+            <a:ext cx="8368200" cy="3078900"/>
+          </a:xfrm>
+          <a:prstGeom prst="rect">
+            <a:avLst/>
+          </a:prstGeom>
+        </p:spPr>
+        <p:txBody>
+          <a:bodyPr spcFirstLastPara="1" wrap="square" lIns="91425" tIns="91425" rIns="91425" bIns="91425" anchor="t" anchorCtr="0">
+            <a:normAutofit/>
+          </a:bodyPr>
+          <a:lstStyle/>
+          <a:p>
+            <a:pPr marL="0" marR="70485" lvl="0" indent="0" algn="just" rtl="0">
+              <a:lnSpc>
+                <a:spcPct val="105000"/>
+              </a:lnSpc>
+              <a:spcBef>
+                <a:spcPts val="0"/>
+              </a:spcBef>
+              <a:spcAft>
+                <a:spcPts val="0"/>
+              </a:spcAft>
+              <a:buNone/>
+            </a:pPr>
+            <a:r>
+              <a:rPr lang="en-GB" sz="1000" b="1">
+                <a:latin typeface="Roboto Slab"/>
+                <a:ea typeface="Roboto Slab"/>
+                <a:cs typeface="Roboto Slab"/>
+                <a:sym typeface="Roboto Slab"/>
+              </a:rPr>
+              <a:t>1. "Location Intelligence: Emerging Trends and Applications" by Smith, J., et al. (2019):</a:t>
+            </a:r>
+            <a:endParaRPr sz="1000" b="1">
+              <a:latin typeface="Roboto Slab"/>
+              <a:ea typeface="Roboto Slab"/>
+              <a:cs typeface="Roboto Slab"/>
+              <a:sym typeface="Roboto Slab"/>
+            </a:endParaRPr>
+          </a:p>
+          <a:p>
+            <a:pPr marL="0" marR="70485" lvl="0" indent="0" algn="just" rtl="0">
+              <a:lnSpc>
+                <a:spcPct val="105000"/>
+              </a:lnSpc>
+              <a:spcBef>
+                <a:spcPts val="15"/>
+              </a:spcBef>
+              <a:spcAft>
+                <a:spcPts val="0"/>
+              </a:spcAft>
+              <a:buNone/>
+            </a:pPr>
+            <a:r>
+              <a:rPr lang="en-GB" sz="1000">
+                <a:latin typeface="Roboto Slab"/>
+                <a:ea typeface="Roboto Slab"/>
+                <a:cs typeface="Roboto Slab"/>
+                <a:sym typeface="Roboto Slab"/>
+              </a:rPr>
+              <a:t>This work provides an overview of emerging trends and applications in location intelligence, focusing on how businesses are leveraging location data and analytics to gain insights into consumer behavior, market trends, and competitive landscapes.</a:t>
+            </a:r>
+            <a:endParaRPr sz="1000">
+              <a:latin typeface="Roboto Slab"/>
+              <a:ea typeface="Roboto Slab"/>
+              <a:cs typeface="Roboto Slab"/>
+              <a:sym typeface="Roboto Slab"/>
+            </a:endParaRPr>
+          </a:p>
+          <a:p>
+            <a:pPr marL="0" marR="70485" lvl="0" indent="0" algn="just" rtl="0">
+              <a:lnSpc>
+                <a:spcPct val="105000"/>
+              </a:lnSpc>
+              <a:spcBef>
+                <a:spcPts val="15"/>
+              </a:spcBef>
+              <a:spcAft>
+                <a:spcPts val="0"/>
+              </a:spcAft>
+              <a:buNone/>
+            </a:pPr>
+            <a:endParaRPr sz="1000" b="1">
+              <a:latin typeface="Roboto Slab"/>
+              <a:ea typeface="Roboto Slab"/>
+              <a:cs typeface="Roboto Slab"/>
+              <a:sym typeface="Roboto Slab"/>
+            </a:endParaRPr>
+          </a:p>
+          <a:p>
+            <a:pPr marL="0" marR="70485" lvl="0" indent="0" algn="just" rtl="0">
+              <a:lnSpc>
+                <a:spcPct val="105000"/>
+              </a:lnSpc>
+              <a:spcBef>
+                <a:spcPts val="15"/>
+              </a:spcBef>
+              <a:spcAft>
+                <a:spcPts val="0"/>
+              </a:spcAft>
+              <a:buNone/>
+            </a:pPr>
+            <a:r>
+              <a:rPr lang="en-GB" sz="1000" b="1">
+                <a:latin typeface="Roboto Slab"/>
+                <a:ea typeface="Roboto Slab"/>
+                <a:cs typeface="Roboto Slab"/>
+                <a:sym typeface="Roboto Slab"/>
+              </a:rPr>
+              <a:t>2. "Predictive Analytics in Retail: A Review of Current Trends and Future Directions" by Johnson, M., et al. (2020):</a:t>
+            </a:r>
+            <a:endParaRPr sz="1000" b="1">
+              <a:latin typeface="Roboto Slab"/>
+              <a:ea typeface="Roboto Slab"/>
+              <a:cs typeface="Roboto Slab"/>
+              <a:sym typeface="Roboto Slab"/>
+            </a:endParaRPr>
+          </a:p>
+          <a:p>
+            <a:pPr marL="0" marR="70485" lvl="0" indent="0" algn="just" rtl="0">
+              <a:lnSpc>
+                <a:spcPct val="105000"/>
+              </a:lnSpc>
+              <a:spcBef>
+                <a:spcPts val="15"/>
+              </a:spcBef>
+              <a:spcAft>
+                <a:spcPts val="0"/>
+              </a:spcAft>
+              <a:buNone/>
+            </a:pPr>
+            <a:r>
+              <a:rPr lang="en-GB" sz="1000">
+                <a:latin typeface="Roboto Slab"/>
+                <a:ea typeface="Roboto Slab"/>
+                <a:cs typeface="Roboto Slab"/>
+                <a:sym typeface="Roboto Slab"/>
+              </a:rPr>
+              <a:t>This review paper examines the current trends and future directions of predictive analytics in the retail industry. It explores how retailers are using advanced analytics techniques, including machine learning and predictive modeling, to optimize various aspects of their operations, including inventory management, pricing strategies, and customer targeting.</a:t>
+            </a:r>
+            <a:endParaRPr sz="1000">
+              <a:latin typeface="Roboto Slab"/>
+              <a:ea typeface="Roboto Slab"/>
+              <a:cs typeface="Roboto Slab"/>
+              <a:sym typeface="Roboto Slab"/>
+            </a:endParaRPr>
+          </a:p>
+          <a:p>
+            <a:pPr marL="0" marR="70485" lvl="0" indent="0" algn="just" rtl="0">
+              <a:lnSpc>
+                <a:spcPct val="105000"/>
+              </a:lnSpc>
+              <a:spcBef>
+                <a:spcPts val="15"/>
+              </a:spcBef>
+              <a:spcAft>
+                <a:spcPts val="0"/>
+              </a:spcAft>
+              <a:buNone/>
+            </a:pPr>
+            <a:endParaRPr sz="1000" b="1">
+              <a:latin typeface="Roboto Slab"/>
+              <a:ea typeface="Roboto Slab"/>
+              <a:cs typeface="Roboto Slab"/>
+              <a:sym typeface="Roboto Slab"/>
+            </a:endParaRPr>
+          </a:p>
+          <a:p>
+            <a:pPr marL="0" marR="70485" lvl="0" indent="0" algn="just" rtl="0">
+              <a:lnSpc>
+                <a:spcPct val="105000"/>
+              </a:lnSpc>
+              <a:spcBef>
+                <a:spcPts val="15"/>
+              </a:spcBef>
+              <a:spcAft>
+                <a:spcPts val="0"/>
+              </a:spcAft>
+              <a:buNone/>
+            </a:pPr>
+            <a:r>
+              <a:rPr lang="en-GB" sz="1000" b="1">
+                <a:latin typeface="Roboto Slab"/>
+                <a:ea typeface="Roboto Slab"/>
+                <a:cs typeface="Roboto Slab"/>
+                <a:sym typeface="Roboto Slab"/>
+              </a:rPr>
+              <a:t>3. "Geospatial Analysis for Business Location Planning: A Review" by Chen, L., et al. (2018):</a:t>
+            </a:r>
+            <a:endParaRPr sz="1000" b="1">
+              <a:latin typeface="Roboto Slab"/>
+              <a:ea typeface="Roboto Slab"/>
+              <a:cs typeface="Roboto Slab"/>
+              <a:sym typeface="Roboto Slab"/>
+            </a:endParaRPr>
+          </a:p>
+          <a:p>
+            <a:pPr marL="0" marR="70485" lvl="0" indent="0" algn="just" rtl="0">
+              <a:lnSpc>
+                <a:spcPct val="105000"/>
+              </a:lnSpc>
+              <a:spcBef>
+                <a:spcPts val="15"/>
+              </a:spcBef>
+              <a:spcAft>
+                <a:spcPts val="0"/>
+              </a:spcAft>
+              <a:buNone/>
+            </a:pPr>
+            <a:r>
+              <a:rPr lang="en-GB" sz="1000">
+                <a:latin typeface="Roboto Slab"/>
+                <a:ea typeface="Roboto Slab"/>
+                <a:cs typeface="Roboto Slab"/>
+                <a:sym typeface="Roboto Slab"/>
+              </a:rPr>
+              <a:t>This paper provides a comprehensive review of geospatial analysis techniques for business location planning. It discusses various methods and tools for analyzing geographic data, such as geographic information systems (GIS), spatial statistics, and spatial data mining, and their applications in location selection and optimization.</a:t>
+            </a:r>
+            <a:endParaRPr sz="1000">
+              <a:latin typeface="Roboto Slab"/>
+              <a:ea typeface="Roboto Slab"/>
+              <a:cs typeface="Roboto Slab"/>
+              <a:sym typeface="Roboto Slab"/>
+            </a:endParaRPr>
+          </a:p>
+          <a:p>
+            <a:pPr marL="0" marR="70485" lvl="0" indent="0" algn="just" rtl="0">
+              <a:lnSpc>
+                <a:spcPct val="105000"/>
+              </a:lnSpc>
+              <a:spcBef>
+                <a:spcPts val="15"/>
+              </a:spcBef>
+              <a:spcAft>
+                <a:spcPts val="0"/>
+              </a:spcAft>
+              <a:buNone/>
+            </a:pPr>
+            <a:endParaRPr sz="1000">
+              <a:latin typeface="Roboto Slab"/>
+              <a:ea typeface="Roboto Slab"/>
+              <a:cs typeface="Roboto Slab"/>
+              <a:sym typeface="Roboto Slab"/>
+            </a:endParaRPr>
+          </a:p>
+          <a:p>
+            <a:pPr marL="0" marR="70485" lvl="0" indent="0" algn="just" rtl="0">
+              <a:lnSpc>
+                <a:spcPct val="105000"/>
+              </a:lnSpc>
+              <a:spcBef>
+                <a:spcPts val="15"/>
+              </a:spcBef>
+              <a:spcAft>
+                <a:spcPts val="0"/>
+              </a:spcAft>
+              <a:buNone/>
+            </a:pPr>
+            <a:r>
+              <a:rPr lang="en-GB" sz="1000" b="1">
+                <a:latin typeface="Roboto Slab"/>
+                <a:ea typeface="Roboto Slab"/>
+                <a:cs typeface="Roboto Slab"/>
+                <a:sym typeface="Roboto Slab"/>
+              </a:rPr>
+              <a:t>4. "Machine Learning Approaches for Location-Based Decision-Making in Healthcare" by Patel, R., et al. (2021):</a:t>
+            </a:r>
+            <a:endParaRPr sz="1000" b="1">
+              <a:latin typeface="Roboto Slab"/>
+              <a:ea typeface="Roboto Slab"/>
+              <a:cs typeface="Roboto Slab"/>
+              <a:sym typeface="Roboto Slab"/>
+            </a:endParaRPr>
+          </a:p>
+          <a:p>
+            <a:pPr marL="0" marR="70485" lvl="0" indent="0" algn="just" rtl="0">
+              <a:lnSpc>
+                <a:spcPct val="105000"/>
+              </a:lnSpc>
+              <a:spcBef>
+                <a:spcPts val="15"/>
+              </a:spcBef>
+              <a:spcAft>
+                <a:spcPts val="15"/>
+              </a:spcAft>
+              <a:buNone/>
+            </a:pPr>
+            <a:r>
+              <a:rPr lang="en-GB" sz="1000">
+                <a:latin typeface="Roboto Slab"/>
+                <a:ea typeface="Roboto Slab"/>
+                <a:cs typeface="Roboto Slab"/>
+                <a:sym typeface="Roboto Slab"/>
+              </a:rPr>
+              <a:t>This study explores the applications of machine learning approaches in location-based decision-making within the healthcare industry. It discusses how healthcare organizations are using machine learning algorithms to optimize the placement of medical facilities, improve patient access to care, and enhance resource allocation.</a:t>
+            </a:r>
+            <a:endParaRPr sz="1000">
+              <a:latin typeface="Roboto Slab"/>
+              <a:ea typeface="Roboto Slab"/>
+              <a:cs typeface="Roboto Slab"/>
+              <a:sym typeface="Roboto Slab"/>
+            </a:endParaRPr>
+          </a:p>
+        </p:txBody>
+      </p:sp>
+    </p:spTree>
+  </p:cSld>
+  <p:clrMapOvr>
+    <a:masterClrMapping/>
+  </p:clrMapOvr>
+</p:sld>
+</file>
+
+<file path=ppt/slides/slide6.xml><?xml version="1.0" encoding="utf-8"?>
 <p:sld xmlns:a="http://schemas.openxmlformats.org/drawingml/2006/main" xmlns:r="http://schemas.openxmlformats.org/officeDocument/2006/relationships" xmlns:p="http://schemas.openxmlformats.org/presentationml/2006/main">
   <p:cSld>
     <p:spTree>
@@ -8966,15 +9591,20 @@
               <a:buNone/>
             </a:pPr>
             <a:r>
-              <a:rPr lang="en" sz="2800">
-                <a:latin typeface="Merriweather"/>
-                <a:ea typeface="Merriweather"/>
-                <a:cs typeface="Merriweather"/>
-                <a:sym typeface="Merriweather"/>
+              <a:rPr lang="en-GB" sz="2800">
+                <a:latin typeface="Merriweather" panose="00000500000000000000"/>
+                <a:ea typeface="Merriweather" panose="00000500000000000000"/>
+                <a:cs typeface="Merriweather" panose="00000500000000000000"/>
+                <a:sym typeface="Merriweather" panose="00000500000000000000"/>
               </a:rPr>
               <a:t>Objectives </a:t>
             </a:r>
-            <a:endParaRPr/>
+            <a:endParaRPr lang="en-GB" sz="2800">
+              <a:latin typeface="Merriweather" panose="00000500000000000000"/>
+              <a:ea typeface="Merriweather" panose="00000500000000000000"/>
+              <a:cs typeface="Merriweather" panose="00000500000000000000"/>
+              <a:sym typeface="Merriweather" panose="00000500000000000000"/>
+            </a:endParaRPr>
           </a:p>
         </p:txBody>
       </p:sp>
@@ -9016,7 +9646,7 @@
               <a:buNone/>
             </a:pPr>
             <a:r>
-              <a:rPr lang="en" sz="1200">
+              <a:rPr lang="en-GB" sz="1200">
                 <a:latin typeface="Roboto Slab"/>
                 <a:ea typeface="Roboto Slab"/>
                 <a:cs typeface="Roboto Slab"/>
@@ -9045,7 +9675,7 @@
               <a:buNone/>
             </a:pPr>
             <a:r>
-              <a:rPr lang="en" sz="1200">
+              <a:rPr lang="en-GB" sz="1200">
                 <a:latin typeface="Roboto Slab"/>
                 <a:ea typeface="Roboto Slab"/>
                 <a:cs typeface="Roboto Slab"/>
@@ -9074,7 +9704,7 @@
               <a:buNone/>
             </a:pPr>
             <a:r>
-              <a:rPr lang="en" sz="1200">
+              <a:rPr lang="en-GB" sz="1200">
                 <a:latin typeface="Roboto Slab"/>
                 <a:ea typeface="Roboto Slab"/>
                 <a:cs typeface="Roboto Slab"/>
@@ -9103,7 +9733,7 @@
               <a:buNone/>
             </a:pPr>
             <a:r>
-              <a:rPr lang="en" sz="1200">
+              <a:rPr lang="en-GB" sz="1200">
                 <a:latin typeface="Roboto Slab"/>
                 <a:ea typeface="Roboto Slab"/>
                 <a:cs typeface="Roboto Slab"/>
@@ -9132,7 +9762,7 @@
               <a:buNone/>
             </a:pPr>
             <a:r>
-              <a:rPr lang="en" sz="1200">
+              <a:rPr lang="en-GB" sz="1200">
                 <a:latin typeface="Roboto Slab"/>
                 <a:ea typeface="Roboto Slab"/>
                 <a:cs typeface="Roboto Slab"/>
@@ -9161,7 +9791,7 @@
               <a:buNone/>
             </a:pPr>
             <a:r>
-              <a:rPr lang="en" sz="1200">
+              <a:rPr lang="en-GB" sz="1200">
                 <a:latin typeface="Roboto Slab"/>
                 <a:ea typeface="Roboto Slab"/>
                 <a:cs typeface="Roboto Slab"/>
@@ -9190,7 +9820,7 @@
               <a:buNone/>
             </a:pPr>
             <a:r>
-              <a:rPr lang="en" sz="1200">
+              <a:rPr lang="en-GB" sz="1200">
                 <a:latin typeface="Roboto Slab"/>
                 <a:ea typeface="Roboto Slab"/>
                 <a:cs typeface="Roboto Slab"/>
@@ -9199,396 +9829,6 @@
               <a:t>7. Examine the ethical and societal implications of AI-powered location selection, including concerns related to data privacy, algorithmic bias, and the impact on local communities and economies.</a:t>
             </a:r>
             <a:endParaRPr sz="1200">
-              <a:latin typeface="Roboto Slab"/>
-              <a:ea typeface="Roboto Slab"/>
-              <a:cs typeface="Roboto Slab"/>
-              <a:sym typeface="Roboto Slab"/>
-            </a:endParaRPr>
-          </a:p>
-        </p:txBody>
-      </p:sp>
-    </p:spTree>
-  </p:cSld>
-  <p:clrMapOvr>
-    <a:masterClrMapping/>
-  </p:clrMapOvr>
-</p:sld>
-</file>
-
-<file path=ppt/slides/slide6.xml><?xml version="1.0" encoding="utf-8"?>
-<p:sld xmlns:a="http://schemas.openxmlformats.org/drawingml/2006/main" xmlns:r="http://schemas.openxmlformats.org/officeDocument/2006/relationships" xmlns:p="http://schemas.openxmlformats.org/presentationml/2006/main">
-  <p:cSld>
-    <p:spTree>
-      <p:nvGrpSpPr>
-        <p:cNvPr id="1" name="Shape 92"/>
-        <p:cNvGrpSpPr/>
-        <p:nvPr/>
-      </p:nvGrpSpPr>
-      <p:grpSpPr>
-        <a:xfrm>
-          <a:off x="0" y="0"/>
-          <a:ext cx="0" cy="0"/>
-          <a:chOff x="0" y="0"/>
-          <a:chExt cx="0" cy="0"/>
-        </a:xfrm>
-      </p:grpSpPr>
-      <p:sp>
-        <p:nvSpPr>
-          <p:cNvPr id="93" name="Google Shape;93;p18"/>
-          <p:cNvSpPr txBox="1">
-            <a:spLocks noGrp="1"/>
-          </p:cNvSpPr>
-          <p:nvPr>
-            <p:ph type="title"/>
-          </p:nvPr>
-        </p:nvSpPr>
-        <p:spPr>
-          <a:xfrm>
-            <a:off x="387900" y="458025"/>
-            <a:ext cx="8368200" cy="686100"/>
-          </a:xfrm>
-          <a:prstGeom prst="rect">
-            <a:avLst/>
-          </a:prstGeom>
-        </p:spPr>
-        <p:txBody>
-          <a:bodyPr spcFirstLastPara="1" wrap="square" lIns="91425" tIns="91425" rIns="91425" bIns="91425" anchor="b" anchorCtr="0">
-            <a:normAutofit/>
-          </a:bodyPr>
-          <a:lstStyle/>
-          <a:p>
-            <a:pPr marL="0" lvl="0" indent="0" algn="l" rtl="0">
-              <a:spcBef>
-                <a:spcPts val="0"/>
-              </a:spcBef>
-              <a:spcAft>
-                <a:spcPts val="0"/>
-              </a:spcAft>
-              <a:buNone/>
-            </a:pPr>
-            <a:r>
-              <a:rPr lang="en" sz="2800">
-                <a:latin typeface="Merriweather"/>
-                <a:ea typeface="Merriweather"/>
-                <a:cs typeface="Merriweather"/>
-                <a:sym typeface="Merriweather"/>
-              </a:rPr>
-              <a:t>Related work</a:t>
-            </a:r>
-            <a:endParaRPr/>
-          </a:p>
-        </p:txBody>
-      </p:sp>
-      <p:sp>
-        <p:nvSpPr>
-          <p:cNvPr id="94" name="Google Shape;94;p18"/>
-          <p:cNvSpPr txBox="1">
-            <a:spLocks noGrp="1"/>
-          </p:cNvSpPr>
-          <p:nvPr>
-            <p:ph type="body" idx="1"/>
-          </p:nvPr>
-        </p:nvSpPr>
-        <p:spPr>
-          <a:xfrm>
-            <a:off x="387900" y="1489824"/>
-            <a:ext cx="8368200" cy="3078900"/>
-          </a:xfrm>
-          <a:prstGeom prst="rect">
-            <a:avLst/>
-          </a:prstGeom>
-        </p:spPr>
-        <p:txBody>
-          <a:bodyPr spcFirstLastPara="1" wrap="square" lIns="91425" tIns="91425" rIns="91425" bIns="91425" anchor="t" anchorCtr="0">
-            <a:normAutofit/>
-          </a:bodyPr>
-          <a:lstStyle/>
-          <a:p>
-            <a:pPr marL="0" marR="70485" lvl="0" indent="0" algn="just" rtl="0">
-              <a:lnSpc>
-                <a:spcPct val="104583"/>
-              </a:lnSpc>
-              <a:spcBef>
-                <a:spcPts val="0"/>
-              </a:spcBef>
-              <a:spcAft>
-                <a:spcPts val="0"/>
-              </a:spcAft>
-              <a:buNone/>
-            </a:pPr>
-            <a:r>
-              <a:rPr lang="en" sz="1000" b="1">
-                <a:latin typeface="Roboto Slab"/>
-                <a:ea typeface="Roboto Slab"/>
-                <a:cs typeface="Roboto Slab"/>
-                <a:sym typeface="Roboto Slab"/>
-              </a:rPr>
-              <a:t>1. "Location Intelligence: Emerging Trends and Applications" by Smith, J., et al. (2019):</a:t>
-            </a:r>
-            <a:endParaRPr sz="1000" b="1">
-              <a:latin typeface="Roboto Slab"/>
-              <a:ea typeface="Roboto Slab"/>
-              <a:cs typeface="Roboto Slab"/>
-              <a:sym typeface="Roboto Slab"/>
-            </a:endParaRPr>
-          </a:p>
-          <a:p>
-            <a:pPr marL="0" marR="70485" lvl="0" indent="0" algn="just" rtl="0">
-              <a:lnSpc>
-                <a:spcPct val="104583"/>
-              </a:lnSpc>
-              <a:spcBef>
-                <a:spcPts val="15"/>
-              </a:spcBef>
-              <a:spcAft>
-                <a:spcPts val="0"/>
-              </a:spcAft>
-              <a:buNone/>
-            </a:pPr>
-            <a:r>
-              <a:rPr lang="en" sz="1000">
-                <a:latin typeface="Roboto Slab"/>
-                <a:ea typeface="Roboto Slab"/>
-                <a:cs typeface="Roboto Slab"/>
-                <a:sym typeface="Roboto Slab"/>
-              </a:rPr>
-              <a:t>This work provides an overview of emerging trends and applications in location intelligence, focusing on how businesses are leveraging location data and analytics to gain insights into consumer behavior, market trends, and competitive landscapes.</a:t>
-            </a:r>
-            <a:endParaRPr sz="1000">
-              <a:latin typeface="Roboto Slab"/>
-              <a:ea typeface="Roboto Slab"/>
-              <a:cs typeface="Roboto Slab"/>
-              <a:sym typeface="Roboto Slab"/>
-            </a:endParaRPr>
-          </a:p>
-          <a:p>
-            <a:pPr marL="0" marR="70485" lvl="0" indent="0" algn="just" rtl="0">
-              <a:lnSpc>
-                <a:spcPct val="104583"/>
-              </a:lnSpc>
-              <a:spcBef>
-                <a:spcPts val="15"/>
-              </a:spcBef>
-              <a:spcAft>
-                <a:spcPts val="0"/>
-              </a:spcAft>
-              <a:buNone/>
-            </a:pPr>
-            <a:endParaRPr sz="1000" b="1">
-              <a:latin typeface="Roboto Slab"/>
-              <a:ea typeface="Roboto Slab"/>
-              <a:cs typeface="Roboto Slab"/>
-              <a:sym typeface="Roboto Slab"/>
-            </a:endParaRPr>
-          </a:p>
-          <a:p>
-            <a:pPr marL="0" marR="70485" lvl="0" indent="0" algn="just" rtl="0">
-              <a:lnSpc>
-                <a:spcPct val="104583"/>
-              </a:lnSpc>
-              <a:spcBef>
-                <a:spcPts val="15"/>
-              </a:spcBef>
-              <a:spcAft>
-                <a:spcPts val="0"/>
-              </a:spcAft>
-              <a:buNone/>
-            </a:pPr>
-            <a:r>
-              <a:rPr lang="en" sz="1000" b="1">
-                <a:latin typeface="Roboto Slab"/>
-                <a:ea typeface="Roboto Slab"/>
-                <a:cs typeface="Roboto Slab"/>
-                <a:sym typeface="Roboto Slab"/>
-              </a:rPr>
-              <a:t>2. "Predictive Analytics in Retail: A Review of Current Trends and Future Directions" by Johnson, M., et al. (2020):</a:t>
-            </a:r>
-            <a:endParaRPr sz="1000" b="1">
-              <a:latin typeface="Roboto Slab"/>
-              <a:ea typeface="Roboto Slab"/>
-              <a:cs typeface="Roboto Slab"/>
-              <a:sym typeface="Roboto Slab"/>
-            </a:endParaRPr>
-          </a:p>
-          <a:p>
-            <a:pPr marL="0" marR="70485" lvl="0" indent="0" algn="just" rtl="0">
-              <a:lnSpc>
-                <a:spcPct val="104583"/>
-              </a:lnSpc>
-              <a:spcBef>
-                <a:spcPts val="15"/>
-              </a:spcBef>
-              <a:spcAft>
-                <a:spcPts val="0"/>
-              </a:spcAft>
-              <a:buNone/>
-            </a:pPr>
-            <a:r>
-              <a:rPr lang="en" sz="1000">
-                <a:latin typeface="Roboto Slab"/>
-                <a:ea typeface="Roboto Slab"/>
-                <a:cs typeface="Roboto Slab"/>
-                <a:sym typeface="Roboto Slab"/>
-              </a:rPr>
-              <a:t>This review paper examines the current trends and future directions of predictive analytics in the retail industry. It explores how retailers are using advanced analytics techniques, including machine learning and predictive modeling, to optimize various aspects of their operations, including inventory management, pricing strategies, and customer targeting.</a:t>
-            </a:r>
-            <a:endParaRPr sz="1000">
-              <a:latin typeface="Roboto Slab"/>
-              <a:ea typeface="Roboto Slab"/>
-              <a:cs typeface="Roboto Slab"/>
-              <a:sym typeface="Roboto Slab"/>
-            </a:endParaRPr>
-          </a:p>
-          <a:p>
-            <a:pPr marL="0" marR="70485" lvl="0" indent="0" algn="just" rtl="0">
-              <a:lnSpc>
-                <a:spcPct val="104583"/>
-              </a:lnSpc>
-              <a:spcBef>
-                <a:spcPts val="15"/>
-              </a:spcBef>
-              <a:spcAft>
-                <a:spcPts val="0"/>
-              </a:spcAft>
-              <a:buNone/>
-            </a:pPr>
-            <a:endParaRPr sz="1000" b="1">
-              <a:latin typeface="Roboto Slab"/>
-              <a:ea typeface="Roboto Slab"/>
-              <a:cs typeface="Roboto Slab"/>
-              <a:sym typeface="Roboto Slab"/>
-            </a:endParaRPr>
-          </a:p>
-          <a:p>
-            <a:pPr marL="0" marR="70485" lvl="0" indent="0" algn="just" rtl="0">
-              <a:lnSpc>
-                <a:spcPct val="104583"/>
-              </a:lnSpc>
-              <a:spcBef>
-                <a:spcPts val="15"/>
-              </a:spcBef>
-              <a:spcAft>
-                <a:spcPts val="0"/>
-              </a:spcAft>
-              <a:buNone/>
-            </a:pPr>
-            <a:r>
-              <a:rPr lang="en" sz="1000" b="1">
-                <a:latin typeface="Roboto Slab"/>
-                <a:ea typeface="Roboto Slab"/>
-                <a:cs typeface="Roboto Slab"/>
-                <a:sym typeface="Roboto Slab"/>
-              </a:rPr>
-              <a:t>3. "Geospatial Analysis for Business Location Planning: A Review" by Chen, L., et al. (2018):</a:t>
-            </a:r>
-            <a:endParaRPr sz="1000" b="1">
-              <a:latin typeface="Roboto Slab"/>
-              <a:ea typeface="Roboto Slab"/>
-              <a:cs typeface="Roboto Slab"/>
-              <a:sym typeface="Roboto Slab"/>
-            </a:endParaRPr>
-          </a:p>
-          <a:p>
-            <a:pPr marL="0" marR="70485" lvl="0" indent="0" algn="just" rtl="0">
-              <a:lnSpc>
-                <a:spcPct val="104583"/>
-              </a:lnSpc>
-              <a:spcBef>
-                <a:spcPts val="15"/>
-              </a:spcBef>
-              <a:spcAft>
-                <a:spcPts val="0"/>
-              </a:spcAft>
-              <a:buNone/>
-            </a:pPr>
-            <a:r>
-              <a:rPr lang="en" sz="1000">
-                <a:latin typeface="Roboto Slab"/>
-                <a:ea typeface="Roboto Slab"/>
-                <a:cs typeface="Roboto Slab"/>
-                <a:sym typeface="Roboto Slab"/>
-              </a:rPr>
-              <a:t>This paper provides a comprehensive review of geospatial analysis techniques for business location planning. It discusses various methods and tools for analyzing geographic data, such as geographic information systems (GIS), spatial statistics, and spatial data mining, and their applications in location selection and optimization.</a:t>
-            </a:r>
-            <a:endParaRPr sz="1000">
-              <a:latin typeface="Roboto Slab"/>
-              <a:ea typeface="Roboto Slab"/>
-              <a:cs typeface="Roboto Slab"/>
-              <a:sym typeface="Roboto Slab"/>
-            </a:endParaRPr>
-          </a:p>
-          <a:p>
-            <a:pPr marL="0" marR="70485" lvl="0" indent="0" algn="just" rtl="0">
-              <a:lnSpc>
-                <a:spcPct val="104583"/>
-              </a:lnSpc>
-              <a:spcBef>
-                <a:spcPts val="15"/>
-              </a:spcBef>
-              <a:spcAft>
-                <a:spcPts val="0"/>
-              </a:spcAft>
-              <a:buNone/>
-            </a:pPr>
-            <a:endParaRPr sz="1000">
-              <a:latin typeface="Roboto Slab"/>
-              <a:ea typeface="Roboto Slab"/>
-              <a:cs typeface="Roboto Slab"/>
-              <a:sym typeface="Roboto Slab"/>
-            </a:endParaRPr>
-          </a:p>
-          <a:p>
-            <a:pPr marL="0" marR="70485" lvl="0" indent="0" algn="just" rtl="0">
-              <a:lnSpc>
-                <a:spcPct val="104583"/>
-              </a:lnSpc>
-              <a:spcBef>
-                <a:spcPts val="15"/>
-              </a:spcBef>
-              <a:spcAft>
-                <a:spcPts val="0"/>
-              </a:spcAft>
-              <a:buNone/>
-            </a:pPr>
-            <a:r>
-              <a:rPr lang="en" sz="1000" b="1">
-                <a:latin typeface="Roboto Slab"/>
-                <a:ea typeface="Roboto Slab"/>
-                <a:cs typeface="Roboto Slab"/>
-                <a:sym typeface="Roboto Slab"/>
-              </a:rPr>
-              <a:t>4. "Machine Learning Approaches for Location-Based Decision-Making in Healthcare" by Patel, R., et al. (2021):</a:t>
-            </a:r>
-            <a:endParaRPr sz="1000" b="1">
-              <a:latin typeface="Roboto Slab"/>
-              <a:ea typeface="Roboto Slab"/>
-              <a:cs typeface="Roboto Slab"/>
-              <a:sym typeface="Roboto Slab"/>
-            </a:endParaRPr>
-          </a:p>
-          <a:p>
-            <a:pPr marL="0" marR="70485" lvl="0" indent="0" algn="just" rtl="0">
-              <a:lnSpc>
-                <a:spcPct val="104583"/>
-              </a:lnSpc>
-              <a:spcBef>
-                <a:spcPts val="15"/>
-              </a:spcBef>
-              <a:spcAft>
-                <a:spcPts val="15"/>
-              </a:spcAft>
-              <a:buNone/>
-            </a:pPr>
-            <a:r>
-              <a:rPr lang="en" sz="1000">
-                <a:latin typeface="Roboto Slab"/>
-                <a:ea typeface="Roboto Slab"/>
-                <a:cs typeface="Roboto Slab"/>
-                <a:sym typeface="Roboto Slab"/>
-              </a:rPr>
-              <a:t>This study explores the applications of machine learning approaches in location-based decision-making within the healthcare industry. It discusses how healthcare organizations are using machine learning algorithms to optimize the placement of medical facilities, improve patient access to care, and enhance resource allocation.</a:t>
-            </a:r>
-            <a:endParaRPr sz="1000">
               <a:latin typeface="Roboto Slab"/>
               <a:ea typeface="Roboto Slab"/>
               <a:cs typeface="Roboto Slab"/>
@@ -9657,15 +9897,20 @@
               <a:buNone/>
             </a:pPr>
             <a:r>
-              <a:rPr lang="en" sz="2800">
-                <a:latin typeface="Merriweather"/>
-                <a:ea typeface="Merriweather"/>
-                <a:cs typeface="Merriweather"/>
-                <a:sym typeface="Merriweather"/>
+              <a:rPr lang="en-GB" sz="2800">
+                <a:latin typeface="Merriweather" panose="00000500000000000000"/>
+                <a:ea typeface="Merriweather" panose="00000500000000000000"/>
+                <a:cs typeface="Merriweather" panose="00000500000000000000"/>
+                <a:sym typeface="Merriweather" panose="00000500000000000000"/>
               </a:rPr>
               <a:t>Problem Statement</a:t>
             </a:r>
-            <a:endParaRPr/>
+            <a:endParaRPr lang="en-GB" sz="2800">
+              <a:latin typeface="Merriweather" panose="00000500000000000000"/>
+              <a:ea typeface="Merriweather" panose="00000500000000000000"/>
+              <a:cs typeface="Merriweather" panose="00000500000000000000"/>
+              <a:sym typeface="Merriweather" panose="00000500000000000000"/>
+            </a:endParaRPr>
           </a:p>
         </p:txBody>
       </p:sp>
@@ -9707,7 +9952,7 @@
               <a:buNone/>
             </a:pPr>
             <a:r>
-              <a:rPr lang="en" sz="1200">
+              <a:rPr lang="en-GB" sz="1200">
                 <a:latin typeface="Roboto Slab"/>
                 <a:ea typeface="Roboto Slab"/>
                 <a:cs typeface="Roboto Slab"/>
@@ -9754,93 +9999,113 @@
   <p:cSld>
     <p:spTree>
       <p:nvGrpSpPr>
-        <p:cNvPr id="1" name="Shape 104"/>
+        <p:cNvPr id="1" name=""/>
         <p:cNvGrpSpPr/>
         <p:nvPr/>
       </p:nvGrpSpPr>
-      <p:grpSpPr>
-        <a:xfrm>
-          <a:off x="0" y="0"/>
-          <a:ext cx="0" cy="0"/>
-          <a:chOff x="0" y="0"/>
-          <a:chExt cx="0" cy="0"/>
-        </a:xfrm>
-      </p:grpSpPr>
+      <p:grpSpPr/>
       <p:sp>
         <p:nvSpPr>
-          <p:cNvPr id="105" name="Google Shape;105;p20"/>
-          <p:cNvSpPr txBox="1">
+          <p:cNvPr id="2" name="Title 1"/>
+          <p:cNvSpPr>
             <a:spLocks noGrp="1"/>
           </p:cNvSpPr>
           <p:nvPr>
             <p:ph type="title"/>
           </p:nvPr>
         </p:nvSpPr>
-        <p:spPr>
-          <a:xfrm>
-            <a:off x="387900" y="458025"/>
-            <a:ext cx="8368200" cy="686100"/>
-          </a:xfrm>
-          <a:prstGeom prst="rect">
-            <a:avLst/>
-          </a:prstGeom>
-        </p:spPr>
+        <p:spPr/>
         <p:txBody>
-          <a:bodyPr spcFirstLastPara="1" wrap="square" lIns="91425" tIns="91425" rIns="91425" bIns="91425" anchor="b" anchorCtr="0">
-            <a:normAutofit/>
-          </a:bodyPr>
-          <a:lstStyle/>
-          <a:p>
-            <a:pPr marL="0" lvl="0" indent="0" algn="l" rtl="0">
-              <a:spcBef>
-                <a:spcPts val="0"/>
-              </a:spcBef>
-              <a:spcAft>
-                <a:spcPts val="0"/>
-              </a:spcAft>
+          <a:bodyPr/>
+          <a:p>
+            <a:r>
+              <a:rPr lang="en-US"/>
+              <a:t>clusters</a:t>
+            </a:r>
+            <a:endParaRPr lang="en-US"/>
+          </a:p>
+        </p:txBody>
+      </p:sp>
+      <p:sp>
+        <p:nvSpPr>
+          <p:cNvPr id="3" name="Text Placeholder 2"/>
+          <p:cNvSpPr>
+            <a:spLocks noGrp="1"/>
+          </p:cNvSpPr>
+          <p:nvPr>
+            <p:ph type="body" idx="1"/>
+          </p:nvPr>
+        </p:nvSpPr>
+        <p:spPr/>
+        <p:txBody>
+          <a:bodyPr/>
+          <a:p>
+            <a:r>
+              <a:rPr lang="en-US"/>
+              <a:t>Cluster 1: Urban Centers</a:t>
+            </a:r>
+            <a:endParaRPr lang="en-US"/>
+          </a:p>
+          <a:p>
+            <a:pPr marL="114300" indent="0">
               <a:buNone/>
             </a:pPr>
             <a:r>
-              <a:rPr lang="en" sz="2800">
-                <a:latin typeface="Merriweather"/>
-                <a:ea typeface="Merriweather"/>
-                <a:cs typeface="Merriweather"/>
-                <a:sym typeface="Merriweather"/>
-              </a:rPr>
-              <a:t>Proposed Framework</a:t>
+              <a:rPr lang="en-US"/>
+              <a:t>This cluster comprises neighborhoods located in densely populated urban areas with high levels of economic activity and a diverse range of businesses and amenities. These locations are characterized by bustling streets, high foot traffic, and a vibrant commercial landscape.</a:t>
             </a:r>
-            <a:endParaRPr/>
+            <a:endParaRPr lang="en-US"/>
+          </a:p>
+          <a:p>
+            <a:pPr marL="114300" indent="0">
+              <a:buNone/>
+            </a:pPr>
+            <a:endParaRPr lang="en-US"/>
+          </a:p>
+          <a:p>
+            <a:pPr marL="114300" indent="0">
+              <a:buNone/>
+            </a:pPr>
+            <a:endParaRPr lang="en-US"/>
+          </a:p>
+          <a:p>
+            <a:pPr marL="114300" indent="0">
+              <a:buNone/>
+            </a:pPr>
+            <a:endParaRPr lang="en-US"/>
+          </a:p>
+          <a:p>
+            <a:pPr marL="114300" indent="0">
+              <a:buNone/>
+            </a:pPr>
+            <a:endParaRPr lang="en-US"/>
+          </a:p>
+          <a:p>
+            <a:pPr marL="114300" indent="0">
+              <a:buNone/>
+            </a:pPr>
+            <a:endParaRPr lang="en-US"/>
+          </a:p>
+          <a:p>
+            <a:pPr marL="114300" indent="0">
+              <a:buNone/>
+            </a:pPr>
+            <a:endParaRPr lang="en-US"/>
+          </a:p>
+          <a:p>
+            <a:pPr marL="114300" indent="0">
+              <a:buNone/>
+            </a:pPr>
+            <a:endParaRPr lang="en-US"/>
+          </a:p>
+          <a:p>
+            <a:pPr marL="114300" indent="0">
+              <a:buNone/>
+            </a:pPr>
+            <a:endParaRPr lang="en-US"/>
           </a:p>
         </p:txBody>
       </p:sp>
-      <p:pic>
-        <p:nvPicPr>
-          <p:cNvPr id="106" name="Google Shape;106;p20"/>
-          <p:cNvPicPr preferRelativeResize="0"/>
-          <p:nvPr/>
-        </p:nvPicPr>
-        <p:blipFill>
-          <a:blip r:embed="rId3">
-            <a:alphaModFix/>
-          </a:blip>
-          <a:stretch>
-            <a:fillRect/>
-          </a:stretch>
-        </p:blipFill>
-        <p:spPr>
-          <a:xfrm>
-            <a:off x="3342450" y="1568225"/>
-            <a:ext cx="1828800" cy="3057525"/>
-          </a:xfrm>
-          <a:prstGeom prst="rect">
-            <a:avLst/>
-          </a:prstGeom>
-          <a:noFill/>
-          <a:ln>
-            <a:noFill/>
-          </a:ln>
-        </p:spPr>
-      </p:pic>
     </p:spTree>
   </p:cSld>
   <p:clrMapOvr>
@@ -9854,121 +10119,80 @@
   <p:cSld>
     <p:spTree>
       <p:nvGrpSpPr>
-        <p:cNvPr id="1" name="Shape 110"/>
+        <p:cNvPr id="1" name=""/>
         <p:cNvGrpSpPr/>
         <p:nvPr/>
       </p:nvGrpSpPr>
-      <p:grpSpPr>
-        <a:xfrm>
-          <a:off x="0" y="0"/>
-          <a:ext cx="0" cy="0"/>
-          <a:chOff x="0" y="0"/>
-          <a:chExt cx="0" cy="0"/>
-        </a:xfrm>
-      </p:grpSpPr>
+      <p:grpSpPr/>
       <p:sp>
         <p:nvSpPr>
-          <p:cNvPr id="111" name="Google Shape;111;p21"/>
-          <p:cNvSpPr txBox="1">
+          <p:cNvPr id="2" name="Title 1"/>
+          <p:cNvSpPr>
             <a:spLocks noGrp="1"/>
           </p:cNvSpPr>
           <p:nvPr>
             <p:ph type="title"/>
           </p:nvPr>
         </p:nvSpPr>
-        <p:spPr>
-          <a:xfrm>
-            <a:off x="387900" y="458025"/>
-            <a:ext cx="8368200" cy="686100"/>
-          </a:xfrm>
-          <a:prstGeom prst="rect">
-            <a:avLst/>
-          </a:prstGeom>
-        </p:spPr>
+        <p:spPr/>
         <p:txBody>
-          <a:bodyPr spcFirstLastPara="1" wrap="square" lIns="91425" tIns="91425" rIns="91425" bIns="91425" anchor="b" anchorCtr="0">
-            <a:normAutofit/>
+          <a:bodyPr/>
+          <a:p>
+            <a:endParaRPr lang="en-US"/>
+          </a:p>
+        </p:txBody>
+      </p:sp>
+      <p:sp>
+        <p:nvSpPr>
+          <p:cNvPr id="3" name="Text Placeholder 2"/>
+          <p:cNvSpPr>
+            <a:spLocks noGrp="1"/>
+          </p:cNvSpPr>
+          <p:nvPr>
+            <p:ph type="body" idx="1"/>
+          </p:nvPr>
+        </p:nvSpPr>
+        <p:spPr/>
+        <p:txBody>
+          <a:bodyPr>
+            <a:normAutofit lnSpcReduction="10000"/>
           </a:bodyPr>
-          <a:lstStyle/>
-          <a:p>
-            <a:pPr marL="0" lvl="0" indent="0" algn="l" rtl="0">
-              <a:spcBef>
-                <a:spcPts val="0"/>
-              </a:spcBef>
-              <a:spcAft>
-                <a:spcPts val="0"/>
-              </a:spcAft>
+          <a:p>
+            <a:r>
+              <a:rPr lang="en-US"/>
+              <a:t>Cluster 2: Suburban Residential</a:t>
+            </a:r>
+            <a:endParaRPr lang="en-US"/>
+          </a:p>
+          <a:p>
+            <a:pPr marL="114300" indent="0">
               <a:buNone/>
             </a:pPr>
             <a:r>
-              <a:rPr lang="en" sz="2800">
-                <a:latin typeface="Merriweather"/>
-                <a:ea typeface="Merriweather"/>
-                <a:cs typeface="Merriweather"/>
-                <a:sym typeface="Merriweather"/>
-              </a:rPr>
-              <a:t>Results </a:t>
+              <a:rPr lang="en-US"/>
+              <a:t>Neighborhoods in this cluster are predominantly suburban residential areas with moderate population density and a mix of residential and commercial establishments. These locations offer a peaceful suburban lifestyle with access to essential amenities and services.</a:t>
             </a:r>
-            <a:endParaRPr/>
+            <a:endParaRPr lang="en-US"/>
+          </a:p>
+          <a:p>
+            <a:r>
+              <a:rPr lang="en-US"/>
+              <a:t>Cluster 3: Rural Areas</a:t>
+            </a:r>
+            <a:endParaRPr lang="en-US"/>
+          </a:p>
+          <a:p>
+            <a:pPr marL="114300" indent="0">
+              <a:buNone/>
+            </a:pPr>
+            <a:r>
+              <a:rPr lang="en-US"/>
+              <a:t>This cluster represents rural areas with low population density, sparse commercial infrastructure, and a focus on agricultural or natural landscapes. These locations provide a tranquil environment away from the hustle and bustle of urban life.</a:t>
+            </a:r>
+            <a:endParaRPr lang="en-US"/>
           </a:p>
         </p:txBody>
       </p:sp>
-      <p:pic>
-        <p:nvPicPr>
-          <p:cNvPr id="112" name="Google Shape;112;p21"/>
-          <p:cNvPicPr preferRelativeResize="0"/>
-          <p:nvPr/>
-        </p:nvPicPr>
-        <p:blipFill>
-          <a:blip r:embed="rId3">
-            <a:alphaModFix/>
-          </a:blip>
-          <a:stretch>
-            <a:fillRect/>
-          </a:stretch>
-        </p:blipFill>
-        <p:spPr>
-          <a:xfrm>
-            <a:off x="797575" y="1756375"/>
-            <a:ext cx="3209925" cy="1514475"/>
-          </a:xfrm>
-          <a:prstGeom prst="rect">
-            <a:avLst/>
-          </a:prstGeom>
-          <a:noFill/>
-          <a:ln>
-            <a:noFill/>
-          </a:ln>
-        </p:spPr>
-      </p:pic>
-      <p:pic>
-        <p:nvPicPr>
-          <p:cNvPr id="113" name="Google Shape;113;p21"/>
-          <p:cNvPicPr preferRelativeResize="0"/>
-          <p:nvPr/>
-        </p:nvPicPr>
-        <p:blipFill>
-          <a:blip r:embed="rId4">
-            <a:alphaModFix/>
-          </a:blip>
-          <a:stretch>
-            <a:fillRect/>
-          </a:stretch>
-        </p:blipFill>
-        <p:spPr>
-          <a:xfrm>
-            <a:off x="4572000" y="1680175"/>
-            <a:ext cx="3209925" cy="1666875"/>
-          </a:xfrm>
-          <a:prstGeom prst="rect">
-            <a:avLst/>
-          </a:prstGeom>
-          <a:noFill/>
-          <a:ln>
-            <a:noFill/>
-          </a:ln>
-        </p:spPr>
-      </p:pic>
     </p:spTree>
   </p:cSld>
   <p:clrMapOvr>
@@ -10253,8 +10477,11 @@
       </a:bgFillStyleLst>
     </a:fmtScheme>
   </a:themeElements>
-  <a:objectDefaults/>
-  <a:extraClrSchemeLst/>
+  <a:extLst>
+    <a:ext uri="{05A4C25C-085E-4340-85A3-A5531E510DB2}">
+      <thm15:themeFamily xmlns:thm15="http://schemas.microsoft.com/office/thememl/2012/main" name="Office Theme" id="{62F939B6-93AF-4DB8-9C6B-D6C7DFDC589F}" vid="{4A3C46E8-61CC-4603-A589-7422A47A8E4A}"/>
+    </a:ext>
+  </a:extLst>
 </a:theme>
 </file>
 
@@ -10534,7 +10761,10 @@
       </a:bgFillStyleLst>
     </a:fmtScheme>
   </a:themeElements>
-  <a:objectDefaults/>
-  <a:extraClrSchemeLst/>
+  <a:extLst>
+    <a:ext uri="{05A4C25C-085E-4340-85A3-A5531E510DB2}">
+      <thm15:themeFamily xmlns:thm15="http://schemas.microsoft.com/office/thememl/2012/main" name="Office Theme" id="{62F939B6-93AF-4DB8-9C6B-D6C7DFDC589F}" vid="{4A3C46E8-61CC-4603-A589-7422A47A8E4A}"/>
+    </a:ext>
+  </a:extLst>
 </a:theme>
 </file>